--- a/documents_for_blog/blog.pptx
+++ b/documents_for_blog/blog.pptx
@@ -13,6 +13,7 @@
     <p:sldId id="261" r:id="rId7"/>
     <p:sldId id="262" r:id="rId8"/>
     <p:sldId id="263" r:id="rId9"/>
+    <p:sldId id="264" r:id="rId10"/>
   </p:sldIdLst>
   <p:sldSz cx="12192000" cy="6858000"/>
   <p:notesSz cx="6858000" cy="9144000"/>
@@ -248,7 +249,7 @@
           <a:p>
             <a:fld id="{76F80488-8C22-4ECD-ADCE-62BD7D3F29B3}" type="datetimeFigureOut">
               <a:rPr kumimoji="1" lang="ja-JP" altLang="en-US" smtClean="0"/>
-              <a:t>2016/6/5</a:t>
+              <a:t>2016/6/6</a:t>
             </a:fld>
             <a:endParaRPr kumimoji="1" lang="ja-JP" altLang="en-US"/>
           </a:p>
@@ -448,7 +449,7 @@
           <a:p>
             <a:fld id="{76F80488-8C22-4ECD-ADCE-62BD7D3F29B3}" type="datetimeFigureOut">
               <a:rPr kumimoji="1" lang="ja-JP" altLang="en-US" smtClean="0"/>
-              <a:t>2016/6/5</a:t>
+              <a:t>2016/6/6</a:t>
             </a:fld>
             <a:endParaRPr kumimoji="1" lang="ja-JP" altLang="en-US"/>
           </a:p>
@@ -658,7 +659,7 @@
           <a:p>
             <a:fld id="{76F80488-8C22-4ECD-ADCE-62BD7D3F29B3}" type="datetimeFigureOut">
               <a:rPr kumimoji="1" lang="ja-JP" altLang="en-US" smtClean="0"/>
-              <a:t>2016/6/5</a:t>
+              <a:t>2016/6/6</a:t>
             </a:fld>
             <a:endParaRPr kumimoji="1" lang="ja-JP" altLang="en-US"/>
           </a:p>
@@ -858,7 +859,7 @@
           <a:p>
             <a:fld id="{76F80488-8C22-4ECD-ADCE-62BD7D3F29B3}" type="datetimeFigureOut">
               <a:rPr kumimoji="1" lang="ja-JP" altLang="en-US" smtClean="0"/>
-              <a:t>2016/6/5</a:t>
+              <a:t>2016/6/6</a:t>
             </a:fld>
             <a:endParaRPr kumimoji="1" lang="ja-JP" altLang="en-US"/>
           </a:p>
@@ -1103,7 +1104,7 @@
           <a:p>
             <a:fld id="{76F80488-8C22-4ECD-ADCE-62BD7D3F29B3}" type="datetimeFigureOut">
               <a:rPr kumimoji="1" lang="ja-JP" altLang="en-US" smtClean="0"/>
-              <a:t>2016/6/5</a:t>
+              <a:t>2016/6/6</a:t>
             </a:fld>
             <a:endParaRPr kumimoji="1" lang="ja-JP" altLang="en-US"/>
           </a:p>
@@ -1396,7 +1397,7 @@
           <a:p>
             <a:fld id="{76F80488-8C22-4ECD-ADCE-62BD7D3F29B3}" type="datetimeFigureOut">
               <a:rPr kumimoji="1" lang="ja-JP" altLang="en-US" smtClean="0"/>
-              <a:t>2016/6/5</a:t>
+              <a:t>2016/6/6</a:t>
             </a:fld>
             <a:endParaRPr kumimoji="1" lang="ja-JP" altLang="en-US"/>
           </a:p>
@@ -1824,7 +1825,7 @@
           <a:p>
             <a:fld id="{76F80488-8C22-4ECD-ADCE-62BD7D3F29B3}" type="datetimeFigureOut">
               <a:rPr kumimoji="1" lang="ja-JP" altLang="en-US" smtClean="0"/>
-              <a:t>2016/6/5</a:t>
+              <a:t>2016/6/6</a:t>
             </a:fld>
             <a:endParaRPr kumimoji="1" lang="ja-JP" altLang="en-US"/>
           </a:p>
@@ -1941,7 +1942,7 @@
           <a:p>
             <a:fld id="{76F80488-8C22-4ECD-ADCE-62BD7D3F29B3}" type="datetimeFigureOut">
               <a:rPr kumimoji="1" lang="ja-JP" altLang="en-US" smtClean="0"/>
-              <a:t>2016/6/5</a:t>
+              <a:t>2016/6/6</a:t>
             </a:fld>
             <a:endParaRPr kumimoji="1" lang="ja-JP" altLang="en-US"/>
           </a:p>
@@ -2036,7 +2037,7 @@
           <a:p>
             <a:fld id="{76F80488-8C22-4ECD-ADCE-62BD7D3F29B3}" type="datetimeFigureOut">
               <a:rPr kumimoji="1" lang="ja-JP" altLang="en-US" smtClean="0"/>
-              <a:t>2016/6/5</a:t>
+              <a:t>2016/6/6</a:t>
             </a:fld>
             <a:endParaRPr kumimoji="1" lang="ja-JP" altLang="en-US"/>
           </a:p>
@@ -2343,7 +2344,7 @@
           <a:p>
             <a:fld id="{76F80488-8C22-4ECD-ADCE-62BD7D3F29B3}" type="datetimeFigureOut">
               <a:rPr kumimoji="1" lang="ja-JP" altLang="en-US" smtClean="0"/>
-              <a:t>2016/6/5</a:t>
+              <a:t>2016/6/6</a:t>
             </a:fld>
             <a:endParaRPr kumimoji="1" lang="ja-JP" altLang="en-US"/>
           </a:p>
@@ -2595,7 +2596,7 @@
           <a:p>
             <a:fld id="{76F80488-8C22-4ECD-ADCE-62BD7D3F29B3}" type="datetimeFigureOut">
               <a:rPr kumimoji="1" lang="ja-JP" altLang="en-US" smtClean="0"/>
-              <a:t>2016/6/5</a:t>
+              <a:t>2016/6/6</a:t>
             </a:fld>
             <a:endParaRPr kumimoji="1" lang="ja-JP" altLang="en-US"/>
           </a:p>
@@ -2838,7 +2839,7 @@
           <a:p>
             <a:fld id="{76F80488-8C22-4ECD-ADCE-62BD7D3F29B3}" type="datetimeFigureOut">
               <a:rPr kumimoji="1" lang="ja-JP" altLang="en-US" smtClean="0"/>
-              <a:t>2016/6/5</a:t>
+              <a:t>2016/6/6</a:t>
             </a:fld>
             <a:endParaRPr kumimoji="1" lang="ja-JP" altLang="en-US"/>
           </a:p>
@@ -19027,13 +19028,6 @@
               </a:rPr>
               <a:t>変化あり</a:t>
             </a:r>
-            <a:endParaRPr kumimoji="1" lang="ja-JP" altLang="en-US">
-              <a:solidFill>
-                <a:srgbClr val="00B0F0"/>
-              </a:solidFill>
-              <a:latin typeface="HGS創英角ｺﾞｼｯｸUB" panose="020B0900000000000000" pitchFamily="50" charset="-128"/>
-              <a:ea typeface="HGS創英角ｺﾞｼｯｸUB" panose="020B0900000000000000" pitchFamily="50" charset="-128"/>
-            </a:endParaRPr>
           </a:p>
         </p:txBody>
       </p:sp>
@@ -19086,13 +19080,6 @@
               </a:rPr>
               <a:t>変化なし</a:t>
             </a:r>
-            <a:endParaRPr kumimoji="1" lang="ja-JP" altLang="en-US">
-              <a:solidFill>
-                <a:schemeClr val="tx1"/>
-              </a:solidFill>
-              <a:latin typeface="HGS創英角ｺﾞｼｯｸUB" panose="020B0900000000000000" pitchFamily="50" charset="-128"/>
-              <a:ea typeface="HGS創英角ｺﾞｼｯｸUB" panose="020B0900000000000000" pitchFamily="50" charset="-128"/>
-            </a:endParaRPr>
           </a:p>
         </p:txBody>
       </p:sp>
@@ -19264,13 +19251,6 @@
               </a:rPr>
               <a:t>変化なし</a:t>
             </a:r>
-            <a:endParaRPr kumimoji="1" lang="ja-JP" altLang="en-US">
-              <a:solidFill>
-                <a:schemeClr val="tx1"/>
-              </a:solidFill>
-              <a:latin typeface="HGS創英角ｺﾞｼｯｸUB" panose="020B0900000000000000" pitchFamily="50" charset="-128"/>
-              <a:ea typeface="HGS創英角ｺﾞｼｯｸUB" panose="020B0900000000000000" pitchFamily="50" charset="-128"/>
-            </a:endParaRPr>
           </a:p>
         </p:txBody>
       </p:sp>
@@ -19323,13 +19303,6 @@
               </a:rPr>
               <a:t>変化あり</a:t>
             </a:r>
-            <a:endParaRPr kumimoji="1" lang="ja-JP" altLang="en-US">
-              <a:solidFill>
-                <a:srgbClr val="FF0000"/>
-              </a:solidFill>
-              <a:latin typeface="HGS創英角ｺﾞｼｯｸUB" panose="020B0900000000000000" pitchFamily="50" charset="-128"/>
-              <a:ea typeface="HGS創英角ｺﾞｼｯｸUB" panose="020B0900000000000000" pitchFamily="50" charset="-128"/>
-            </a:endParaRPr>
           </a:p>
         </p:txBody>
       </p:sp>
@@ -19586,10 +19559,6 @@
               </a:rPr>
               <a:t>わかれば良さげ</a:t>
             </a:r>
-            <a:endParaRPr kumimoji="1" lang="ja-JP" altLang="en-US">
-              <a:latin typeface="HGS創英角ｺﾞｼｯｸUB" panose="020B0900000000000000" pitchFamily="50" charset="-128"/>
-              <a:ea typeface="HGS創英角ｺﾞｼｯｸUB" panose="020B0900000000000000" pitchFamily="50" charset="-128"/>
-            </a:endParaRPr>
           </a:p>
         </p:txBody>
       </p:sp>
@@ -19673,6 +19642,237 @@
     <p:extLst>
       <p:ext uri="{BB962C8B-B14F-4D97-AF65-F5344CB8AC3E}">
         <p14:creationId xmlns:p14="http://schemas.microsoft.com/office/powerpoint/2010/main" val="1902945543"/>
+      </p:ext>
+    </p:extLst>
+  </p:cSld>
+  <p:clrMapOvr>
+    <a:masterClrMapping/>
+  </p:clrMapOvr>
+</p:sld>
+</file>
+
+<file path=ppt/slides/slide9.xml><?xml version="1.0" encoding="utf-8"?>
+<p:sld xmlns:a="http://schemas.openxmlformats.org/drawingml/2006/main" xmlns:r="http://schemas.openxmlformats.org/officeDocument/2006/relationships" xmlns:p="http://schemas.openxmlformats.org/presentationml/2006/main">
+  <p:cSld>
+    <p:spTree>
+      <p:nvGrpSpPr>
+        <p:cNvPr id="1" name=""/>
+        <p:cNvGrpSpPr/>
+        <p:nvPr/>
+      </p:nvGrpSpPr>
+      <p:grpSpPr>
+        <a:xfrm>
+          <a:off x="0" y="0"/>
+          <a:ext cx="0" cy="0"/>
+          <a:chOff x="0" y="0"/>
+          <a:chExt cx="0" cy="0"/>
+        </a:xfrm>
+      </p:grpSpPr>
+      <p:pic>
+        <p:nvPicPr>
+          <p:cNvPr id="2" name="図 1"/>
+          <p:cNvPicPr>
+            <a:picLocks noChangeAspect="1"/>
+          </p:cNvPicPr>
+          <p:nvPr/>
+        </p:nvPicPr>
+        <p:blipFill>
+          <a:blip r:embed="rId2">
+            <a:extLst>
+              <a:ext uri="{28A0092B-C50C-407E-A947-70E740481C1C}">
+                <a14:useLocalDpi xmlns:a14="http://schemas.microsoft.com/office/drawing/2010/main" val="0"/>
+              </a:ext>
+            </a:extLst>
+          </a:blip>
+          <a:stretch>
+            <a:fillRect/>
+          </a:stretch>
+        </p:blipFill>
+        <p:spPr>
+          <a:xfrm>
+            <a:off x="5945199" y="1089622"/>
+            <a:ext cx="3257550" cy="5438775"/>
+          </a:xfrm>
+          <a:prstGeom prst="rect">
+            <a:avLst/>
+          </a:prstGeom>
+        </p:spPr>
+      </p:pic>
+      <p:pic>
+        <p:nvPicPr>
+          <p:cNvPr id="3" name="図 2"/>
+          <p:cNvPicPr>
+            <a:picLocks noChangeAspect="1"/>
+          </p:cNvPicPr>
+          <p:nvPr/>
+        </p:nvPicPr>
+        <p:blipFill>
+          <a:blip r:embed="rId3">
+            <a:extLst>
+              <a:ext uri="{28A0092B-C50C-407E-A947-70E740481C1C}">
+                <a14:useLocalDpi xmlns:a14="http://schemas.microsoft.com/office/drawing/2010/main" val="0"/>
+              </a:ext>
+            </a:extLst>
+          </a:blip>
+          <a:stretch>
+            <a:fillRect/>
+          </a:stretch>
+        </p:blipFill>
+        <p:spPr>
+          <a:xfrm>
+            <a:off x="1640222" y="1089622"/>
+            <a:ext cx="3219450" cy="5410200"/>
+          </a:xfrm>
+          <a:prstGeom prst="rect">
+            <a:avLst/>
+          </a:prstGeom>
+          <a:ln>
+            <a:solidFill>
+              <a:schemeClr val="tx1"/>
+            </a:solidFill>
+          </a:ln>
+        </p:spPr>
+      </p:pic>
+      <p:sp>
+        <p:nvSpPr>
+          <p:cNvPr id="4" name="右矢印 3"/>
+          <p:cNvSpPr/>
+          <p:nvPr/>
+        </p:nvSpPr>
+        <p:spPr>
+          <a:xfrm>
+            <a:off x="5081801" y="3212831"/>
+            <a:ext cx="641268" cy="1163781"/>
+          </a:xfrm>
+          <a:prstGeom prst="rightArrow">
+            <a:avLst/>
+          </a:prstGeom>
+        </p:spPr>
+        <p:style>
+          <a:lnRef idx="2">
+            <a:schemeClr val="accent1">
+              <a:shade val="50000"/>
+            </a:schemeClr>
+          </a:lnRef>
+          <a:fillRef idx="1">
+            <a:schemeClr val="accent1"/>
+          </a:fillRef>
+          <a:effectRef idx="0">
+            <a:schemeClr val="accent1"/>
+          </a:effectRef>
+          <a:fontRef idx="minor">
+            <a:schemeClr val="lt1"/>
+          </a:fontRef>
+        </p:style>
+        <p:txBody>
+          <a:bodyPr rtlCol="0" anchor="ctr"/>
+          <a:lstStyle/>
+          <a:p>
+            <a:pPr algn="ctr"/>
+            <a:endParaRPr kumimoji="1" lang="ja-JP" altLang="en-US"/>
+          </a:p>
+        </p:txBody>
+      </p:sp>
+      <p:sp>
+        <p:nvSpPr>
+          <p:cNvPr id="5" name="角丸四角形 4"/>
+          <p:cNvSpPr/>
+          <p:nvPr/>
+        </p:nvSpPr>
+        <p:spPr>
+          <a:xfrm>
+            <a:off x="2377110" y="285008"/>
+            <a:ext cx="1745673" cy="617517"/>
+          </a:xfrm>
+          <a:prstGeom prst="roundRect">
+            <a:avLst/>
+          </a:prstGeom>
+        </p:spPr>
+        <p:style>
+          <a:lnRef idx="2">
+            <a:schemeClr val="dk1"/>
+          </a:lnRef>
+          <a:fillRef idx="1">
+            <a:schemeClr val="lt1"/>
+          </a:fillRef>
+          <a:effectRef idx="0">
+            <a:schemeClr val="dk1"/>
+          </a:effectRef>
+          <a:fontRef idx="minor">
+            <a:schemeClr val="dk1"/>
+          </a:fontRef>
+        </p:style>
+        <p:txBody>
+          <a:bodyPr rtlCol="0" anchor="ctr"/>
+          <a:lstStyle/>
+          <a:p>
+            <a:pPr algn="ctr"/>
+            <a:r>
+              <a:rPr kumimoji="1" lang="en-US" altLang="ja-JP" sz="2400">
+                <a:latin typeface="HGP創英角ｺﾞｼｯｸUB" panose="020B0900000000000000" pitchFamily="50" charset="-128"/>
+                <a:ea typeface="HGP創英角ｺﾞｼｯｸUB" panose="020B0900000000000000" pitchFamily="50" charset="-128"/>
+              </a:rPr>
+              <a:t>Before</a:t>
+            </a:r>
+            <a:endParaRPr kumimoji="1" lang="ja-JP" altLang="en-US" sz="2400">
+              <a:latin typeface="HGP創英角ｺﾞｼｯｸUB" panose="020B0900000000000000" pitchFamily="50" charset="-128"/>
+              <a:ea typeface="HGP創英角ｺﾞｼｯｸUB" panose="020B0900000000000000" pitchFamily="50" charset="-128"/>
+            </a:endParaRPr>
+          </a:p>
+        </p:txBody>
+      </p:sp>
+      <p:sp>
+        <p:nvSpPr>
+          <p:cNvPr id="6" name="角丸四角形 5"/>
+          <p:cNvSpPr/>
+          <p:nvPr/>
+        </p:nvSpPr>
+        <p:spPr>
+          <a:xfrm>
+            <a:off x="6701137" y="285008"/>
+            <a:ext cx="1745673" cy="617517"/>
+          </a:xfrm>
+          <a:prstGeom prst="roundRect">
+            <a:avLst/>
+          </a:prstGeom>
+        </p:spPr>
+        <p:style>
+          <a:lnRef idx="2">
+            <a:schemeClr val="dk1"/>
+          </a:lnRef>
+          <a:fillRef idx="1">
+            <a:schemeClr val="lt1"/>
+          </a:fillRef>
+          <a:effectRef idx="0">
+            <a:schemeClr val="dk1"/>
+          </a:effectRef>
+          <a:fontRef idx="minor">
+            <a:schemeClr val="dk1"/>
+          </a:fontRef>
+        </p:style>
+        <p:txBody>
+          <a:bodyPr rtlCol="0" anchor="ctr"/>
+          <a:lstStyle/>
+          <a:p>
+            <a:pPr algn="ctr"/>
+            <a:r>
+              <a:rPr kumimoji="1" lang="en-US" altLang="ja-JP" sz="2400">
+                <a:latin typeface="HGP創英角ｺﾞｼｯｸUB" panose="020B0900000000000000" pitchFamily="50" charset="-128"/>
+                <a:ea typeface="HGP創英角ｺﾞｼｯｸUB" panose="020B0900000000000000" pitchFamily="50" charset="-128"/>
+              </a:rPr>
+              <a:t>After</a:t>
+            </a:r>
+            <a:endParaRPr kumimoji="1" lang="ja-JP" altLang="en-US" sz="2400">
+              <a:latin typeface="HGP創英角ｺﾞｼｯｸUB" panose="020B0900000000000000" pitchFamily="50" charset="-128"/>
+              <a:ea typeface="HGP創英角ｺﾞｼｯｸUB" panose="020B0900000000000000" pitchFamily="50" charset="-128"/>
+            </a:endParaRPr>
+          </a:p>
+        </p:txBody>
+      </p:sp>
+    </p:spTree>
+    <p:extLst>
+      <p:ext uri="{BB962C8B-B14F-4D97-AF65-F5344CB8AC3E}">
+        <p14:creationId xmlns:p14="http://schemas.microsoft.com/office/powerpoint/2010/main" val="3538274564"/>
       </p:ext>
     </p:extLst>
   </p:cSld>

--- a/documents_for_blog/blog.pptx
+++ b/documents_for_blog/blog.pptx
@@ -14,6 +14,7 @@
     <p:sldId id="262" r:id="rId8"/>
     <p:sldId id="263" r:id="rId9"/>
     <p:sldId id="264" r:id="rId10"/>
+    <p:sldId id="265" r:id="rId11"/>
   </p:sldIdLst>
   <p:sldSz cx="12192000" cy="6858000"/>
   <p:notesSz cx="6858000" cy="9144000"/>
@@ -3447,6 +3448,343 @@
 </p:sld>
 </file>
 
+<file path=ppt/slides/slide10.xml><?xml version="1.0" encoding="utf-8"?>
+<p:sld xmlns:a="http://schemas.openxmlformats.org/drawingml/2006/main" xmlns:r="http://schemas.openxmlformats.org/officeDocument/2006/relationships" xmlns:p="http://schemas.openxmlformats.org/presentationml/2006/main">
+  <p:cSld>
+    <p:spTree>
+      <p:nvGrpSpPr>
+        <p:cNvPr id="1" name=""/>
+        <p:cNvGrpSpPr/>
+        <p:nvPr/>
+      </p:nvGrpSpPr>
+      <p:grpSpPr>
+        <a:xfrm>
+          <a:off x="0" y="0"/>
+          <a:ext cx="0" cy="0"/>
+          <a:chOff x="0" y="0"/>
+          <a:chExt cx="0" cy="0"/>
+        </a:xfrm>
+      </p:grpSpPr>
+      <p:pic>
+        <p:nvPicPr>
+          <p:cNvPr id="2" name="図 1"/>
+          <p:cNvPicPr>
+            <a:picLocks noChangeAspect="1"/>
+          </p:cNvPicPr>
+          <p:nvPr/>
+        </p:nvPicPr>
+        <p:blipFill>
+          <a:blip r:embed="rId2">
+            <a:extLst>
+              <a:ext uri="{28A0092B-C50C-407E-A947-70E740481C1C}">
+                <a14:useLocalDpi xmlns:a14="http://schemas.microsoft.com/office/drawing/2010/main" val="0"/>
+              </a:ext>
+            </a:extLst>
+          </a:blip>
+          <a:stretch>
+            <a:fillRect/>
+          </a:stretch>
+        </p:blipFill>
+        <p:spPr>
+          <a:xfrm>
+            <a:off x="2218759" y="703638"/>
+            <a:ext cx="3228975" cy="5419725"/>
+          </a:xfrm>
+          <a:prstGeom prst="rect">
+            <a:avLst/>
+          </a:prstGeom>
+          <a:ln w="12700">
+            <a:solidFill>
+              <a:schemeClr val="tx1"/>
+            </a:solidFill>
+          </a:ln>
+        </p:spPr>
+      </p:pic>
+      <p:cxnSp>
+        <p:nvCxnSpPr>
+          <p:cNvPr id="8" name="直線コネクタ 7"/>
+          <p:cNvCxnSpPr/>
+          <p:nvPr/>
+        </p:nvCxnSpPr>
+        <p:spPr>
+          <a:xfrm>
+            <a:off x="2743835" y="703633"/>
+            <a:ext cx="0" cy="5419725"/>
+          </a:xfrm>
+          <a:prstGeom prst="line">
+            <a:avLst/>
+          </a:prstGeom>
+          <a:ln w="57150">
+            <a:solidFill>
+              <a:schemeClr val="accent1"/>
+            </a:solidFill>
+          </a:ln>
+        </p:spPr>
+        <p:style>
+          <a:lnRef idx="1">
+            <a:schemeClr val="accent1"/>
+          </a:lnRef>
+          <a:fillRef idx="0">
+            <a:schemeClr val="accent1"/>
+          </a:fillRef>
+          <a:effectRef idx="0">
+            <a:schemeClr val="accent1"/>
+          </a:effectRef>
+          <a:fontRef idx="minor">
+            <a:schemeClr val="tx1"/>
+          </a:fontRef>
+        </p:style>
+      </p:cxnSp>
+      <p:cxnSp>
+        <p:nvCxnSpPr>
+          <p:cNvPr id="9" name="直線コネクタ 8"/>
+          <p:cNvCxnSpPr/>
+          <p:nvPr/>
+        </p:nvCxnSpPr>
+        <p:spPr>
+          <a:xfrm>
+            <a:off x="3294380" y="703636"/>
+            <a:ext cx="0" cy="5419725"/>
+          </a:xfrm>
+          <a:prstGeom prst="line">
+            <a:avLst/>
+          </a:prstGeom>
+          <a:ln w="57150">
+            <a:solidFill>
+              <a:schemeClr val="accent1"/>
+            </a:solidFill>
+          </a:ln>
+        </p:spPr>
+        <p:style>
+          <a:lnRef idx="1">
+            <a:schemeClr val="accent1"/>
+          </a:lnRef>
+          <a:fillRef idx="0">
+            <a:schemeClr val="accent1"/>
+          </a:fillRef>
+          <a:effectRef idx="0">
+            <a:schemeClr val="accent1"/>
+          </a:effectRef>
+          <a:fontRef idx="minor">
+            <a:schemeClr val="tx1"/>
+          </a:fontRef>
+        </p:style>
+      </p:cxnSp>
+      <p:cxnSp>
+        <p:nvCxnSpPr>
+          <p:cNvPr id="10" name="直線コネクタ 9"/>
+          <p:cNvCxnSpPr/>
+          <p:nvPr/>
+        </p:nvCxnSpPr>
+        <p:spPr>
+          <a:xfrm>
+            <a:off x="3835400" y="703635"/>
+            <a:ext cx="0" cy="5419725"/>
+          </a:xfrm>
+          <a:prstGeom prst="line">
+            <a:avLst/>
+          </a:prstGeom>
+          <a:ln w="57150">
+            <a:solidFill>
+              <a:schemeClr val="accent1"/>
+            </a:solidFill>
+          </a:ln>
+        </p:spPr>
+        <p:style>
+          <a:lnRef idx="1">
+            <a:schemeClr val="accent1"/>
+          </a:lnRef>
+          <a:fillRef idx="0">
+            <a:schemeClr val="accent1"/>
+          </a:fillRef>
+          <a:effectRef idx="0">
+            <a:schemeClr val="accent1"/>
+          </a:effectRef>
+          <a:fontRef idx="minor">
+            <a:schemeClr val="tx1"/>
+          </a:fontRef>
+        </p:style>
+      </p:cxnSp>
+      <p:cxnSp>
+        <p:nvCxnSpPr>
+          <p:cNvPr id="11" name="直線コネクタ 10"/>
+          <p:cNvCxnSpPr/>
+          <p:nvPr/>
+        </p:nvCxnSpPr>
+        <p:spPr>
+          <a:xfrm>
+            <a:off x="4376420" y="703634"/>
+            <a:ext cx="0" cy="5419725"/>
+          </a:xfrm>
+          <a:prstGeom prst="line">
+            <a:avLst/>
+          </a:prstGeom>
+          <a:ln w="57150">
+            <a:solidFill>
+              <a:schemeClr val="accent1"/>
+            </a:solidFill>
+          </a:ln>
+        </p:spPr>
+        <p:style>
+          <a:lnRef idx="1">
+            <a:schemeClr val="accent1"/>
+          </a:lnRef>
+          <a:fillRef idx="0">
+            <a:schemeClr val="accent1"/>
+          </a:fillRef>
+          <a:effectRef idx="0">
+            <a:schemeClr val="accent1"/>
+          </a:effectRef>
+          <a:fontRef idx="minor">
+            <a:schemeClr val="tx1"/>
+          </a:fontRef>
+        </p:style>
+      </p:cxnSp>
+      <p:cxnSp>
+        <p:nvCxnSpPr>
+          <p:cNvPr id="12" name="直線コネクタ 11"/>
+          <p:cNvCxnSpPr/>
+          <p:nvPr/>
+        </p:nvCxnSpPr>
+        <p:spPr>
+          <a:xfrm>
+            <a:off x="4917440" y="703633"/>
+            <a:ext cx="0" cy="5419725"/>
+          </a:xfrm>
+          <a:prstGeom prst="line">
+            <a:avLst/>
+          </a:prstGeom>
+          <a:ln w="57150">
+            <a:solidFill>
+              <a:schemeClr val="accent1"/>
+            </a:solidFill>
+          </a:ln>
+        </p:spPr>
+        <p:style>
+          <a:lnRef idx="1">
+            <a:schemeClr val="accent1"/>
+          </a:lnRef>
+          <a:fillRef idx="0">
+            <a:schemeClr val="accent1"/>
+          </a:fillRef>
+          <a:effectRef idx="0">
+            <a:schemeClr val="accent1"/>
+          </a:effectRef>
+          <a:fontRef idx="minor">
+            <a:schemeClr val="tx1"/>
+          </a:fontRef>
+        </p:style>
+      </p:cxnSp>
+      <p:sp>
+        <p:nvSpPr>
+          <p:cNvPr id="13" name="角丸四角形 12"/>
+          <p:cNvSpPr/>
+          <p:nvPr/>
+        </p:nvSpPr>
+        <p:spPr>
+          <a:xfrm>
+            <a:off x="2835026" y="72390"/>
+            <a:ext cx="1996440" cy="548640"/>
+          </a:xfrm>
+          <a:prstGeom prst="roundRect">
+            <a:avLst/>
+          </a:prstGeom>
+        </p:spPr>
+        <p:style>
+          <a:lnRef idx="2">
+            <a:schemeClr val="dk1"/>
+          </a:lnRef>
+          <a:fillRef idx="1">
+            <a:schemeClr val="lt1"/>
+          </a:fillRef>
+          <a:effectRef idx="0">
+            <a:schemeClr val="dk1"/>
+          </a:effectRef>
+          <a:fontRef idx="minor">
+            <a:schemeClr val="dk1"/>
+          </a:fontRef>
+        </p:style>
+        <p:txBody>
+          <a:bodyPr rtlCol="0" anchor="ctr"/>
+          <a:lstStyle/>
+          <a:p>
+            <a:pPr algn="ctr"/>
+            <a:r>
+              <a:rPr kumimoji="1" lang="ja-JP" altLang="en-US">
+                <a:latin typeface="HGP創英角ｺﾞｼｯｸUB" panose="020B0900000000000000" pitchFamily="50" charset="-128"/>
+                <a:ea typeface="HGP創英角ｺﾞｼｯｸUB" panose="020B0900000000000000" pitchFamily="50" charset="-128"/>
+              </a:rPr>
+              <a:t>色の変化が</a:t>
+            </a:r>
+            <a:endParaRPr kumimoji="1" lang="en-US" altLang="ja-JP">
+              <a:latin typeface="HGP創英角ｺﾞｼｯｸUB" panose="020B0900000000000000" pitchFamily="50" charset="-128"/>
+              <a:ea typeface="HGP創英角ｺﾞｼｯｸUB" panose="020B0900000000000000" pitchFamily="50" charset="-128"/>
+            </a:endParaRPr>
+          </a:p>
+          <a:p>
+            <a:pPr algn="ctr"/>
+            <a:r>
+              <a:rPr kumimoji="1" lang="ja-JP" altLang="en-US">
+                <a:latin typeface="HGP創英角ｺﾞｼｯｸUB" panose="020B0900000000000000" pitchFamily="50" charset="-128"/>
+                <a:ea typeface="HGP創英角ｺﾞｼｯｸUB" panose="020B0900000000000000" pitchFamily="50" charset="-128"/>
+              </a:rPr>
+              <a:t>帯状になっている</a:t>
+            </a:r>
+            <a:endParaRPr kumimoji="1" lang="ja-JP" altLang="en-US">
+              <a:latin typeface="HGP創英角ｺﾞｼｯｸUB" panose="020B0900000000000000" pitchFamily="50" charset="-128"/>
+              <a:ea typeface="HGP創英角ｺﾞｼｯｸUB" panose="020B0900000000000000" pitchFamily="50" charset="-128"/>
+            </a:endParaRPr>
+          </a:p>
+        </p:txBody>
+      </p:sp>
+      <p:pic>
+        <p:nvPicPr>
+          <p:cNvPr id="14" name="図 13"/>
+          <p:cNvPicPr>
+            <a:picLocks noChangeAspect="1"/>
+          </p:cNvPicPr>
+          <p:nvPr/>
+        </p:nvPicPr>
+        <p:blipFill>
+          <a:blip r:embed="rId3">
+            <a:extLst>
+              <a:ext uri="{28A0092B-C50C-407E-A947-70E740481C1C}">
+                <a14:useLocalDpi xmlns:a14="http://schemas.microsoft.com/office/drawing/2010/main" val="0"/>
+              </a:ext>
+            </a:extLst>
+          </a:blip>
+          <a:stretch>
+            <a:fillRect/>
+          </a:stretch>
+        </p:blipFill>
+        <p:spPr>
+          <a:xfrm>
+            <a:off x="6523355" y="703633"/>
+            <a:ext cx="3228975" cy="5419725"/>
+          </a:xfrm>
+          <a:prstGeom prst="rect">
+            <a:avLst/>
+          </a:prstGeom>
+          <a:ln w="12700">
+            <a:solidFill>
+              <a:schemeClr val="tx1"/>
+            </a:solidFill>
+          </a:ln>
+        </p:spPr>
+      </p:pic>
+    </p:spTree>
+    <p:extLst>
+      <p:ext uri="{BB962C8B-B14F-4D97-AF65-F5344CB8AC3E}">
+        <p14:creationId xmlns:p14="http://schemas.microsoft.com/office/powerpoint/2010/main" val="3478290963"/>
+      </p:ext>
+    </p:extLst>
+  </p:cSld>
+  <p:clrMapOvr>
+    <a:masterClrMapping/>
+  </p:clrMapOvr>
+</p:sld>
+</file>
+
 <file path=ppt/slides/slide2.xml><?xml version="1.0" encoding="utf-8"?>
 <p:sld xmlns:a="http://schemas.openxmlformats.org/drawingml/2006/main" xmlns:r="http://schemas.openxmlformats.org/officeDocument/2006/relationships" xmlns:p="http://schemas.openxmlformats.org/presentationml/2006/main">
   <p:cSld>
@@ -16085,6 +16423,271 @@
           </a:p>
         </p:txBody>
       </p:sp>
+      <p:sp>
+        <p:nvSpPr>
+          <p:cNvPr id="2" name="正方形/長方形 1"/>
+          <p:cNvSpPr/>
+          <p:nvPr/>
+        </p:nvSpPr>
+        <p:spPr>
+          <a:xfrm>
+            <a:off x="4032509" y="1545431"/>
+            <a:ext cx="1006213" cy="869155"/>
+          </a:xfrm>
+          <a:prstGeom prst="rect">
+            <a:avLst/>
+          </a:prstGeom>
+          <a:noFill/>
+          <a:ln w="38100">
+            <a:solidFill>
+              <a:srgbClr val="00B0F0"/>
+            </a:solidFill>
+            <a:prstDash val="sysDot"/>
+          </a:ln>
+        </p:spPr>
+        <p:style>
+          <a:lnRef idx="2">
+            <a:schemeClr val="dk1"/>
+          </a:lnRef>
+          <a:fillRef idx="1">
+            <a:schemeClr val="lt1"/>
+          </a:fillRef>
+          <a:effectRef idx="0">
+            <a:schemeClr val="dk1"/>
+          </a:effectRef>
+          <a:fontRef idx="minor">
+            <a:schemeClr val="dk1"/>
+          </a:fontRef>
+        </p:style>
+        <p:txBody>
+          <a:bodyPr rot="0" spcFirstLastPara="0" vertOverflow="overflow" horzOverflow="overflow" vert="horz" wrap="square" lIns="91440" tIns="45720" rIns="91440" bIns="45720" numCol="1" spcCol="0" rtlCol="0" fromWordArt="0" anchor="ctr" anchorCtr="0" forceAA="0" compatLnSpc="1">
+            <a:prstTxWarp prst="textNoShape">
+              <a:avLst/>
+            </a:prstTxWarp>
+            <a:noAutofit/>
+          </a:bodyPr>
+          <a:lstStyle/>
+          <a:p>
+            <a:pPr algn="ctr"/>
+            <a:endParaRPr kumimoji="1" lang="ja-JP" altLang="en-US">
+              <a:latin typeface="HGP創英角ｺﾞｼｯｸUB" panose="020B0900000000000000" pitchFamily="50" charset="-128"/>
+              <a:ea typeface="HGP創英角ｺﾞｼｯｸUB" panose="020B0900000000000000" pitchFamily="50" charset="-128"/>
+            </a:endParaRPr>
+          </a:p>
+        </p:txBody>
+      </p:sp>
+      <p:sp>
+        <p:nvSpPr>
+          <p:cNvPr id="35" name="正方形/長方形 34"/>
+          <p:cNvSpPr/>
+          <p:nvPr/>
+        </p:nvSpPr>
+        <p:spPr>
+          <a:xfrm>
+            <a:off x="4032509" y="5073769"/>
+            <a:ext cx="1006213" cy="869155"/>
+          </a:xfrm>
+          <a:prstGeom prst="rect">
+            <a:avLst/>
+          </a:prstGeom>
+          <a:noFill/>
+          <a:ln w="38100">
+            <a:solidFill>
+              <a:srgbClr val="00B0F0"/>
+            </a:solidFill>
+            <a:prstDash val="sysDot"/>
+          </a:ln>
+        </p:spPr>
+        <p:style>
+          <a:lnRef idx="2">
+            <a:schemeClr val="dk1"/>
+          </a:lnRef>
+          <a:fillRef idx="1">
+            <a:schemeClr val="lt1"/>
+          </a:fillRef>
+          <a:effectRef idx="0">
+            <a:schemeClr val="dk1"/>
+          </a:effectRef>
+          <a:fontRef idx="minor">
+            <a:schemeClr val="dk1"/>
+          </a:fontRef>
+        </p:style>
+        <p:txBody>
+          <a:bodyPr rot="0" spcFirstLastPara="0" vertOverflow="overflow" horzOverflow="overflow" vert="horz" wrap="square" lIns="91440" tIns="45720" rIns="91440" bIns="45720" numCol="1" spcCol="0" rtlCol="0" fromWordArt="0" anchor="ctr" anchorCtr="0" forceAA="0" compatLnSpc="1">
+            <a:prstTxWarp prst="textNoShape">
+              <a:avLst/>
+            </a:prstTxWarp>
+            <a:noAutofit/>
+          </a:bodyPr>
+          <a:lstStyle/>
+          <a:p>
+            <a:pPr algn="ctr"/>
+            <a:endParaRPr kumimoji="1" lang="ja-JP" altLang="en-US">
+              <a:latin typeface="HGP創英角ｺﾞｼｯｸUB" panose="020B0900000000000000" pitchFamily="50" charset="-128"/>
+              <a:ea typeface="HGP創英角ｺﾞｼｯｸUB" panose="020B0900000000000000" pitchFamily="50" charset="-128"/>
+            </a:endParaRPr>
+          </a:p>
+        </p:txBody>
+      </p:sp>
+      <p:sp>
+        <p:nvSpPr>
+          <p:cNvPr id="36" name="正方形/長方形 35"/>
+          <p:cNvSpPr/>
+          <p:nvPr/>
+        </p:nvSpPr>
+        <p:spPr>
+          <a:xfrm>
+            <a:off x="6955721" y="5096441"/>
+            <a:ext cx="1006213" cy="869155"/>
+          </a:xfrm>
+          <a:prstGeom prst="rect">
+            <a:avLst/>
+          </a:prstGeom>
+          <a:noFill/>
+          <a:ln w="38100">
+            <a:solidFill>
+              <a:srgbClr val="00B0F0"/>
+            </a:solidFill>
+            <a:prstDash val="sysDot"/>
+          </a:ln>
+        </p:spPr>
+        <p:style>
+          <a:lnRef idx="2">
+            <a:schemeClr val="dk1"/>
+          </a:lnRef>
+          <a:fillRef idx="1">
+            <a:schemeClr val="lt1"/>
+          </a:fillRef>
+          <a:effectRef idx="0">
+            <a:schemeClr val="dk1"/>
+          </a:effectRef>
+          <a:fontRef idx="minor">
+            <a:schemeClr val="dk1"/>
+          </a:fontRef>
+        </p:style>
+        <p:txBody>
+          <a:bodyPr rot="0" spcFirstLastPara="0" vertOverflow="overflow" horzOverflow="overflow" vert="horz" wrap="square" lIns="91440" tIns="45720" rIns="91440" bIns="45720" numCol="1" spcCol="0" rtlCol="0" fromWordArt="0" anchor="ctr" anchorCtr="0" forceAA="0" compatLnSpc="1">
+            <a:prstTxWarp prst="textNoShape">
+              <a:avLst/>
+            </a:prstTxWarp>
+            <a:noAutofit/>
+          </a:bodyPr>
+          <a:lstStyle/>
+          <a:p>
+            <a:pPr algn="ctr"/>
+            <a:endParaRPr kumimoji="1" lang="ja-JP" altLang="en-US">
+              <a:latin typeface="HGP創英角ｺﾞｼｯｸUB" panose="020B0900000000000000" pitchFamily="50" charset="-128"/>
+              <a:ea typeface="HGP創英角ｺﾞｼｯｸUB" panose="020B0900000000000000" pitchFamily="50" charset="-128"/>
+            </a:endParaRPr>
+          </a:p>
+        </p:txBody>
+      </p:sp>
+      <p:sp>
+        <p:nvSpPr>
+          <p:cNvPr id="37" name="正方形/長方形 36"/>
+          <p:cNvSpPr/>
+          <p:nvPr/>
+        </p:nvSpPr>
+        <p:spPr>
+          <a:xfrm>
+            <a:off x="9908458" y="5073769"/>
+            <a:ext cx="1006213" cy="869155"/>
+          </a:xfrm>
+          <a:prstGeom prst="rect">
+            <a:avLst/>
+          </a:prstGeom>
+          <a:noFill/>
+          <a:ln w="38100">
+            <a:solidFill>
+              <a:srgbClr val="00B0F0"/>
+            </a:solidFill>
+            <a:prstDash val="sysDot"/>
+          </a:ln>
+        </p:spPr>
+        <p:style>
+          <a:lnRef idx="2">
+            <a:schemeClr val="dk1"/>
+          </a:lnRef>
+          <a:fillRef idx="1">
+            <a:schemeClr val="lt1"/>
+          </a:fillRef>
+          <a:effectRef idx="0">
+            <a:schemeClr val="dk1"/>
+          </a:effectRef>
+          <a:fontRef idx="minor">
+            <a:schemeClr val="dk1"/>
+          </a:fontRef>
+        </p:style>
+        <p:txBody>
+          <a:bodyPr rot="0" spcFirstLastPara="0" vertOverflow="overflow" horzOverflow="overflow" vert="horz" wrap="square" lIns="91440" tIns="45720" rIns="91440" bIns="45720" numCol="1" spcCol="0" rtlCol="0" fromWordArt="0" anchor="ctr" anchorCtr="0" forceAA="0" compatLnSpc="1">
+            <a:prstTxWarp prst="textNoShape">
+              <a:avLst/>
+            </a:prstTxWarp>
+            <a:noAutofit/>
+          </a:bodyPr>
+          <a:lstStyle/>
+          <a:p>
+            <a:pPr algn="ctr"/>
+            <a:endParaRPr kumimoji="1" lang="ja-JP" altLang="en-US">
+              <a:latin typeface="HGP創英角ｺﾞｼｯｸUB" panose="020B0900000000000000" pitchFamily="50" charset="-128"/>
+              <a:ea typeface="HGP創英角ｺﾞｼｯｸUB" panose="020B0900000000000000" pitchFamily="50" charset="-128"/>
+            </a:endParaRPr>
+          </a:p>
+        </p:txBody>
+      </p:sp>
+      <p:sp>
+        <p:nvSpPr>
+          <p:cNvPr id="38" name="正方形/長方形 37"/>
+          <p:cNvSpPr/>
+          <p:nvPr/>
+        </p:nvSpPr>
+        <p:spPr>
+          <a:xfrm>
+            <a:off x="12795509" y="5051675"/>
+            <a:ext cx="1006213" cy="869155"/>
+          </a:xfrm>
+          <a:prstGeom prst="rect">
+            <a:avLst/>
+          </a:prstGeom>
+          <a:noFill/>
+          <a:ln w="38100">
+            <a:solidFill>
+              <a:srgbClr val="00B0F0"/>
+            </a:solidFill>
+            <a:prstDash val="sysDot"/>
+          </a:ln>
+        </p:spPr>
+        <p:style>
+          <a:lnRef idx="2">
+            <a:schemeClr val="dk1"/>
+          </a:lnRef>
+          <a:fillRef idx="1">
+            <a:schemeClr val="lt1"/>
+          </a:fillRef>
+          <a:effectRef idx="0">
+            <a:schemeClr val="dk1"/>
+          </a:effectRef>
+          <a:fontRef idx="minor">
+            <a:schemeClr val="dk1"/>
+          </a:fontRef>
+        </p:style>
+        <p:txBody>
+          <a:bodyPr rot="0" spcFirstLastPara="0" vertOverflow="overflow" horzOverflow="overflow" vert="horz" wrap="square" lIns="91440" tIns="45720" rIns="91440" bIns="45720" numCol="1" spcCol="0" rtlCol="0" fromWordArt="0" anchor="ctr" anchorCtr="0" forceAA="0" compatLnSpc="1">
+            <a:prstTxWarp prst="textNoShape">
+              <a:avLst/>
+            </a:prstTxWarp>
+            <a:noAutofit/>
+          </a:bodyPr>
+          <a:lstStyle/>
+          <a:p>
+            <a:pPr algn="ctr"/>
+            <a:endParaRPr kumimoji="1" lang="ja-JP" altLang="en-US">
+              <a:latin typeface="HGP創英角ｺﾞｼｯｸUB" panose="020B0900000000000000" pitchFamily="50" charset="-128"/>
+              <a:ea typeface="HGP創英角ｺﾞｼｯｸUB" panose="020B0900000000000000" pitchFamily="50" charset="-128"/>
+            </a:endParaRPr>
+          </a:p>
+        </p:txBody>
+      </p:sp>
     </p:spTree>
     <p:extLst>
       <p:ext uri="{BB962C8B-B14F-4D97-AF65-F5344CB8AC3E}">
@@ -19838,16 +20441,18 @@
         </p:spPr>
         <p:style>
           <a:lnRef idx="2">
-            <a:schemeClr val="dk1"/>
+            <a:schemeClr val="dk1">
+              <a:shade val="50000"/>
+            </a:schemeClr>
           </a:lnRef>
           <a:fillRef idx="1">
-            <a:schemeClr val="lt1"/>
+            <a:schemeClr val="dk1"/>
           </a:fillRef>
           <a:effectRef idx="0">
             <a:schemeClr val="dk1"/>
           </a:effectRef>
           <a:fontRef idx="minor">
-            <a:schemeClr val="dk1"/>
+            <a:schemeClr val="lt1"/>
           </a:fontRef>
         </p:style>
         <p:txBody>
@@ -20167,7 +20772,34 @@
       </a:bgFillStyleLst>
     </a:fmtScheme>
   </a:themeElements>
-  <a:objectDefaults/>
+  <a:objectDefaults>
+    <a:spDef>
+      <a:spPr/>
+      <a:bodyPr rtlCol="0" anchor="ctr"/>
+      <a:lstStyle>
+        <a:defPPr algn="ctr">
+          <a:defRPr kumimoji="1">
+            <a:latin typeface="HGP創英角ｺﾞｼｯｸUB" panose="020B0900000000000000" pitchFamily="50" charset="-128"/>
+            <a:ea typeface="HGP創英角ｺﾞｼｯｸUB" panose="020B0900000000000000" pitchFamily="50" charset="-128"/>
+          </a:defRPr>
+        </a:defPPr>
+      </a:lstStyle>
+      <a:style>
+        <a:lnRef idx="2">
+          <a:schemeClr val="dk1"/>
+        </a:lnRef>
+        <a:fillRef idx="1">
+          <a:schemeClr val="lt1"/>
+        </a:fillRef>
+        <a:effectRef idx="0">
+          <a:schemeClr val="dk1"/>
+        </a:effectRef>
+        <a:fontRef idx="minor">
+          <a:schemeClr val="dk1"/>
+        </a:fontRef>
+      </a:style>
+    </a:spDef>
+  </a:objectDefaults>
   <a:extraClrSchemeLst/>
   <a:extLst>
     <a:ext uri="{05A4C25C-085E-4340-85A3-A5531E510DB2}">

--- a/documents_for_blog/blog.pptx
+++ b/documents_for_blog/blog.pptx
@@ -15,6 +15,7 @@
     <p:sldId id="263" r:id="rId9"/>
     <p:sldId id="264" r:id="rId10"/>
     <p:sldId id="265" r:id="rId11"/>
+    <p:sldId id="266" r:id="rId12"/>
   </p:sldIdLst>
   <p:sldSz cx="12192000" cy="6858000"/>
   <p:notesSz cx="6858000" cy="9144000"/>
@@ -250,7 +251,7 @@
           <a:p>
             <a:fld id="{76F80488-8C22-4ECD-ADCE-62BD7D3F29B3}" type="datetimeFigureOut">
               <a:rPr kumimoji="1" lang="ja-JP" altLang="en-US" smtClean="0"/>
-              <a:t>2016/6/6</a:t>
+              <a:t>2016/6/10</a:t>
             </a:fld>
             <a:endParaRPr kumimoji="1" lang="ja-JP" altLang="en-US"/>
           </a:p>
@@ -450,7 +451,7 @@
           <a:p>
             <a:fld id="{76F80488-8C22-4ECD-ADCE-62BD7D3F29B3}" type="datetimeFigureOut">
               <a:rPr kumimoji="1" lang="ja-JP" altLang="en-US" smtClean="0"/>
-              <a:t>2016/6/6</a:t>
+              <a:t>2016/6/10</a:t>
             </a:fld>
             <a:endParaRPr kumimoji="1" lang="ja-JP" altLang="en-US"/>
           </a:p>
@@ -660,7 +661,7 @@
           <a:p>
             <a:fld id="{76F80488-8C22-4ECD-ADCE-62BD7D3F29B3}" type="datetimeFigureOut">
               <a:rPr kumimoji="1" lang="ja-JP" altLang="en-US" smtClean="0"/>
-              <a:t>2016/6/6</a:t>
+              <a:t>2016/6/10</a:t>
             </a:fld>
             <a:endParaRPr kumimoji="1" lang="ja-JP" altLang="en-US"/>
           </a:p>
@@ -860,7 +861,7 @@
           <a:p>
             <a:fld id="{76F80488-8C22-4ECD-ADCE-62BD7D3F29B3}" type="datetimeFigureOut">
               <a:rPr kumimoji="1" lang="ja-JP" altLang="en-US" smtClean="0"/>
-              <a:t>2016/6/6</a:t>
+              <a:t>2016/6/10</a:t>
             </a:fld>
             <a:endParaRPr kumimoji="1" lang="ja-JP" altLang="en-US"/>
           </a:p>
@@ -1105,7 +1106,7 @@
           <a:p>
             <a:fld id="{76F80488-8C22-4ECD-ADCE-62BD7D3F29B3}" type="datetimeFigureOut">
               <a:rPr kumimoji="1" lang="ja-JP" altLang="en-US" smtClean="0"/>
-              <a:t>2016/6/6</a:t>
+              <a:t>2016/6/10</a:t>
             </a:fld>
             <a:endParaRPr kumimoji="1" lang="ja-JP" altLang="en-US"/>
           </a:p>
@@ -1398,7 +1399,7 @@
           <a:p>
             <a:fld id="{76F80488-8C22-4ECD-ADCE-62BD7D3F29B3}" type="datetimeFigureOut">
               <a:rPr kumimoji="1" lang="ja-JP" altLang="en-US" smtClean="0"/>
-              <a:t>2016/6/6</a:t>
+              <a:t>2016/6/10</a:t>
             </a:fld>
             <a:endParaRPr kumimoji="1" lang="ja-JP" altLang="en-US"/>
           </a:p>
@@ -1826,7 +1827,7 @@
           <a:p>
             <a:fld id="{76F80488-8C22-4ECD-ADCE-62BD7D3F29B3}" type="datetimeFigureOut">
               <a:rPr kumimoji="1" lang="ja-JP" altLang="en-US" smtClean="0"/>
-              <a:t>2016/6/6</a:t>
+              <a:t>2016/6/10</a:t>
             </a:fld>
             <a:endParaRPr kumimoji="1" lang="ja-JP" altLang="en-US"/>
           </a:p>
@@ -1943,7 +1944,7 @@
           <a:p>
             <a:fld id="{76F80488-8C22-4ECD-ADCE-62BD7D3F29B3}" type="datetimeFigureOut">
               <a:rPr kumimoji="1" lang="ja-JP" altLang="en-US" smtClean="0"/>
-              <a:t>2016/6/6</a:t>
+              <a:t>2016/6/10</a:t>
             </a:fld>
             <a:endParaRPr kumimoji="1" lang="ja-JP" altLang="en-US"/>
           </a:p>
@@ -2038,7 +2039,7 @@
           <a:p>
             <a:fld id="{76F80488-8C22-4ECD-ADCE-62BD7D3F29B3}" type="datetimeFigureOut">
               <a:rPr kumimoji="1" lang="ja-JP" altLang="en-US" smtClean="0"/>
-              <a:t>2016/6/6</a:t>
+              <a:t>2016/6/10</a:t>
             </a:fld>
             <a:endParaRPr kumimoji="1" lang="ja-JP" altLang="en-US"/>
           </a:p>
@@ -2345,7 +2346,7 @@
           <a:p>
             <a:fld id="{76F80488-8C22-4ECD-ADCE-62BD7D3F29B3}" type="datetimeFigureOut">
               <a:rPr kumimoji="1" lang="ja-JP" altLang="en-US" smtClean="0"/>
-              <a:t>2016/6/6</a:t>
+              <a:t>2016/6/10</a:t>
             </a:fld>
             <a:endParaRPr kumimoji="1" lang="ja-JP" altLang="en-US"/>
           </a:p>
@@ -2597,7 +2598,7 @@
           <a:p>
             <a:fld id="{76F80488-8C22-4ECD-ADCE-62BD7D3F29B3}" type="datetimeFigureOut">
               <a:rPr kumimoji="1" lang="ja-JP" altLang="en-US" smtClean="0"/>
-              <a:t>2016/6/6</a:t>
+              <a:t>2016/6/10</a:t>
             </a:fld>
             <a:endParaRPr kumimoji="1" lang="ja-JP" altLang="en-US"/>
           </a:p>
@@ -2840,7 +2841,7 @@
           <a:p>
             <a:fld id="{76F80488-8C22-4ECD-ADCE-62BD7D3F29B3}" type="datetimeFigureOut">
               <a:rPr kumimoji="1" lang="ja-JP" altLang="en-US" smtClean="0"/>
-              <a:t>2016/6/6</a:t>
+              <a:t>2016/6/10</a:t>
             </a:fld>
             <a:endParaRPr kumimoji="1" lang="ja-JP" altLang="en-US"/>
           </a:p>
@@ -3730,10 +3731,6 @@
               </a:rPr>
               <a:t>帯状になっている</a:t>
             </a:r>
-            <a:endParaRPr kumimoji="1" lang="ja-JP" altLang="en-US">
-              <a:latin typeface="HGP創英角ｺﾞｼｯｸUB" panose="020B0900000000000000" pitchFamily="50" charset="-128"/>
-              <a:ea typeface="HGP創英角ｺﾞｼｯｸUB" panose="020B0900000000000000" pitchFamily="50" charset="-128"/>
-            </a:endParaRPr>
           </a:p>
         </p:txBody>
       </p:sp>
@@ -3776,6 +3773,2794 @@
     <p:extLst>
       <p:ext uri="{BB962C8B-B14F-4D97-AF65-F5344CB8AC3E}">
         <p14:creationId xmlns:p14="http://schemas.microsoft.com/office/powerpoint/2010/main" val="3478290963"/>
+      </p:ext>
+    </p:extLst>
+  </p:cSld>
+  <p:clrMapOvr>
+    <a:masterClrMapping/>
+  </p:clrMapOvr>
+</p:sld>
+</file>
+
+<file path=ppt/slides/slide11.xml><?xml version="1.0" encoding="utf-8"?>
+<p:sld xmlns:a="http://schemas.openxmlformats.org/drawingml/2006/main" xmlns:r="http://schemas.openxmlformats.org/officeDocument/2006/relationships" xmlns:p="http://schemas.openxmlformats.org/presentationml/2006/main">
+  <p:cSld>
+    <p:spTree>
+      <p:nvGrpSpPr>
+        <p:cNvPr id="1" name=""/>
+        <p:cNvGrpSpPr/>
+        <p:nvPr/>
+      </p:nvGrpSpPr>
+      <p:grpSpPr>
+        <a:xfrm>
+          <a:off x="0" y="0"/>
+          <a:ext cx="0" cy="0"/>
+          <a:chOff x="0" y="0"/>
+          <a:chExt cx="0" cy="0"/>
+        </a:xfrm>
+      </p:grpSpPr>
+      <p:sp>
+        <p:nvSpPr>
+          <p:cNvPr id="5" name="フリーフォーム 4"/>
+          <p:cNvSpPr/>
+          <p:nvPr/>
+        </p:nvSpPr>
+        <p:spPr>
+          <a:xfrm>
+            <a:off x="4590199" y="1496291"/>
+            <a:ext cx="201890" cy="3621974"/>
+          </a:xfrm>
+          <a:custGeom>
+            <a:avLst/>
+            <a:gdLst>
+              <a:gd name="connsiteX0" fmla="*/ 190015 w 201890"/>
+              <a:gd name="connsiteY0" fmla="*/ 0 h 3621974"/>
+              <a:gd name="connsiteX1" fmla="*/ 130638 w 201890"/>
+              <a:gd name="connsiteY1" fmla="*/ 95003 h 3621974"/>
+              <a:gd name="connsiteX2" fmla="*/ 95012 w 201890"/>
+              <a:gd name="connsiteY2" fmla="*/ 142504 h 3621974"/>
+              <a:gd name="connsiteX3" fmla="*/ 47511 w 201890"/>
+              <a:gd name="connsiteY3" fmla="*/ 237506 h 3621974"/>
+              <a:gd name="connsiteX4" fmla="*/ 59386 w 201890"/>
+              <a:gd name="connsiteY4" fmla="*/ 285008 h 3621974"/>
+              <a:gd name="connsiteX5" fmla="*/ 130638 w 201890"/>
+              <a:gd name="connsiteY5" fmla="*/ 368135 h 3621974"/>
+              <a:gd name="connsiteX6" fmla="*/ 190015 w 201890"/>
+              <a:gd name="connsiteY6" fmla="*/ 451262 h 3621974"/>
+              <a:gd name="connsiteX7" fmla="*/ 178140 w 201890"/>
+              <a:gd name="connsiteY7" fmla="*/ 653143 h 3621974"/>
+              <a:gd name="connsiteX8" fmla="*/ 154389 w 201890"/>
+              <a:gd name="connsiteY8" fmla="*/ 748145 h 3621974"/>
+              <a:gd name="connsiteX9" fmla="*/ 142514 w 201890"/>
+              <a:gd name="connsiteY9" fmla="*/ 819397 h 3621974"/>
+              <a:gd name="connsiteX10" fmla="*/ 130638 w 201890"/>
+              <a:gd name="connsiteY10" fmla="*/ 855023 h 3621974"/>
+              <a:gd name="connsiteX11" fmla="*/ 83137 w 201890"/>
+              <a:gd name="connsiteY11" fmla="*/ 950026 h 3621974"/>
+              <a:gd name="connsiteX12" fmla="*/ 71262 w 201890"/>
+              <a:gd name="connsiteY12" fmla="*/ 997527 h 3621974"/>
+              <a:gd name="connsiteX13" fmla="*/ 59386 w 201890"/>
+              <a:gd name="connsiteY13" fmla="*/ 1033153 h 3621974"/>
+              <a:gd name="connsiteX14" fmla="*/ 35636 w 201890"/>
+              <a:gd name="connsiteY14" fmla="*/ 1389413 h 3621974"/>
+              <a:gd name="connsiteX15" fmla="*/ 23760 w 201890"/>
+              <a:gd name="connsiteY15" fmla="*/ 1425039 h 3621974"/>
+              <a:gd name="connsiteX16" fmla="*/ 10 w 201890"/>
+              <a:gd name="connsiteY16" fmla="*/ 1852551 h 3621974"/>
+              <a:gd name="connsiteX17" fmla="*/ 11885 w 201890"/>
+              <a:gd name="connsiteY17" fmla="*/ 1971304 h 3621974"/>
+              <a:gd name="connsiteX18" fmla="*/ 47511 w 201890"/>
+              <a:gd name="connsiteY18" fmla="*/ 2185060 h 3621974"/>
+              <a:gd name="connsiteX19" fmla="*/ 59386 w 201890"/>
+              <a:gd name="connsiteY19" fmla="*/ 2220686 h 3621974"/>
+              <a:gd name="connsiteX20" fmla="*/ 83137 w 201890"/>
+              <a:gd name="connsiteY20" fmla="*/ 2256312 h 3621974"/>
+              <a:gd name="connsiteX21" fmla="*/ 95012 w 201890"/>
+              <a:gd name="connsiteY21" fmla="*/ 2291938 h 3621974"/>
+              <a:gd name="connsiteX22" fmla="*/ 118763 w 201890"/>
+              <a:gd name="connsiteY22" fmla="*/ 2327564 h 3621974"/>
+              <a:gd name="connsiteX23" fmla="*/ 142514 w 201890"/>
+              <a:gd name="connsiteY23" fmla="*/ 2458192 h 3621974"/>
+              <a:gd name="connsiteX24" fmla="*/ 154389 w 201890"/>
+              <a:gd name="connsiteY24" fmla="*/ 2790701 h 3621974"/>
+              <a:gd name="connsiteX25" fmla="*/ 190015 w 201890"/>
+              <a:gd name="connsiteY25" fmla="*/ 2814452 h 3621974"/>
+              <a:gd name="connsiteX26" fmla="*/ 201890 w 201890"/>
+              <a:gd name="connsiteY26" fmla="*/ 2850078 h 3621974"/>
+              <a:gd name="connsiteX27" fmla="*/ 178140 w 201890"/>
+              <a:gd name="connsiteY27" fmla="*/ 3051958 h 3621974"/>
+              <a:gd name="connsiteX28" fmla="*/ 154389 w 201890"/>
+              <a:gd name="connsiteY28" fmla="*/ 3123210 h 3621974"/>
+              <a:gd name="connsiteX29" fmla="*/ 130638 w 201890"/>
+              <a:gd name="connsiteY29" fmla="*/ 3241964 h 3621974"/>
+              <a:gd name="connsiteX30" fmla="*/ 118763 w 201890"/>
+              <a:gd name="connsiteY30" fmla="*/ 3289465 h 3621974"/>
+              <a:gd name="connsiteX31" fmla="*/ 83137 w 201890"/>
+              <a:gd name="connsiteY31" fmla="*/ 3455719 h 3621974"/>
+              <a:gd name="connsiteX32" fmla="*/ 106888 w 201890"/>
+              <a:gd name="connsiteY32" fmla="*/ 3586348 h 3621974"/>
+              <a:gd name="connsiteX33" fmla="*/ 130638 w 201890"/>
+              <a:gd name="connsiteY33" fmla="*/ 3621974 h 3621974"/>
+            </a:gdLst>
+            <a:ahLst/>
+            <a:cxnLst>
+              <a:cxn ang="0">
+                <a:pos x="connsiteX0" y="connsiteY0"/>
+              </a:cxn>
+              <a:cxn ang="0">
+                <a:pos x="connsiteX1" y="connsiteY1"/>
+              </a:cxn>
+              <a:cxn ang="0">
+                <a:pos x="connsiteX2" y="connsiteY2"/>
+              </a:cxn>
+              <a:cxn ang="0">
+                <a:pos x="connsiteX3" y="connsiteY3"/>
+              </a:cxn>
+              <a:cxn ang="0">
+                <a:pos x="connsiteX4" y="connsiteY4"/>
+              </a:cxn>
+              <a:cxn ang="0">
+                <a:pos x="connsiteX5" y="connsiteY5"/>
+              </a:cxn>
+              <a:cxn ang="0">
+                <a:pos x="connsiteX6" y="connsiteY6"/>
+              </a:cxn>
+              <a:cxn ang="0">
+                <a:pos x="connsiteX7" y="connsiteY7"/>
+              </a:cxn>
+              <a:cxn ang="0">
+                <a:pos x="connsiteX8" y="connsiteY8"/>
+              </a:cxn>
+              <a:cxn ang="0">
+                <a:pos x="connsiteX9" y="connsiteY9"/>
+              </a:cxn>
+              <a:cxn ang="0">
+                <a:pos x="connsiteX10" y="connsiteY10"/>
+              </a:cxn>
+              <a:cxn ang="0">
+                <a:pos x="connsiteX11" y="connsiteY11"/>
+              </a:cxn>
+              <a:cxn ang="0">
+                <a:pos x="connsiteX12" y="connsiteY12"/>
+              </a:cxn>
+              <a:cxn ang="0">
+                <a:pos x="connsiteX13" y="connsiteY13"/>
+              </a:cxn>
+              <a:cxn ang="0">
+                <a:pos x="connsiteX14" y="connsiteY14"/>
+              </a:cxn>
+              <a:cxn ang="0">
+                <a:pos x="connsiteX15" y="connsiteY15"/>
+              </a:cxn>
+              <a:cxn ang="0">
+                <a:pos x="connsiteX16" y="connsiteY16"/>
+              </a:cxn>
+              <a:cxn ang="0">
+                <a:pos x="connsiteX17" y="connsiteY17"/>
+              </a:cxn>
+              <a:cxn ang="0">
+                <a:pos x="connsiteX18" y="connsiteY18"/>
+              </a:cxn>
+              <a:cxn ang="0">
+                <a:pos x="connsiteX19" y="connsiteY19"/>
+              </a:cxn>
+              <a:cxn ang="0">
+                <a:pos x="connsiteX20" y="connsiteY20"/>
+              </a:cxn>
+              <a:cxn ang="0">
+                <a:pos x="connsiteX21" y="connsiteY21"/>
+              </a:cxn>
+              <a:cxn ang="0">
+                <a:pos x="connsiteX22" y="connsiteY22"/>
+              </a:cxn>
+              <a:cxn ang="0">
+                <a:pos x="connsiteX23" y="connsiteY23"/>
+              </a:cxn>
+              <a:cxn ang="0">
+                <a:pos x="connsiteX24" y="connsiteY24"/>
+              </a:cxn>
+              <a:cxn ang="0">
+                <a:pos x="connsiteX25" y="connsiteY25"/>
+              </a:cxn>
+              <a:cxn ang="0">
+                <a:pos x="connsiteX26" y="connsiteY26"/>
+              </a:cxn>
+              <a:cxn ang="0">
+                <a:pos x="connsiteX27" y="connsiteY27"/>
+              </a:cxn>
+              <a:cxn ang="0">
+                <a:pos x="connsiteX28" y="connsiteY28"/>
+              </a:cxn>
+              <a:cxn ang="0">
+                <a:pos x="connsiteX29" y="connsiteY29"/>
+              </a:cxn>
+              <a:cxn ang="0">
+                <a:pos x="connsiteX30" y="connsiteY30"/>
+              </a:cxn>
+              <a:cxn ang="0">
+                <a:pos x="connsiteX31" y="connsiteY31"/>
+              </a:cxn>
+              <a:cxn ang="0">
+                <a:pos x="connsiteX32" y="connsiteY32"/>
+              </a:cxn>
+              <a:cxn ang="0">
+                <a:pos x="connsiteX33" y="connsiteY33"/>
+              </a:cxn>
+            </a:cxnLst>
+            <a:rect l="l" t="t" r="r" b="b"/>
+            <a:pathLst>
+              <a:path w="201890" h="3621974">
+                <a:moveTo>
+                  <a:pt x="190015" y="0"/>
+                </a:moveTo>
+                <a:cubicBezTo>
+                  <a:pt x="169211" y="34673"/>
+                  <a:pt x="153487" y="63015"/>
+                  <a:pt x="130638" y="95003"/>
+                </a:cubicBezTo>
+                <a:cubicBezTo>
+                  <a:pt x="119134" y="111108"/>
+                  <a:pt x="104624" y="125203"/>
+                  <a:pt x="95012" y="142504"/>
+                </a:cubicBezTo>
+                <a:cubicBezTo>
+                  <a:pt x="-1821" y="316805"/>
+                  <a:pt x="128470" y="116069"/>
+                  <a:pt x="47511" y="237506"/>
+                </a:cubicBezTo>
+                <a:cubicBezTo>
+                  <a:pt x="51469" y="253340"/>
+                  <a:pt x="52087" y="270410"/>
+                  <a:pt x="59386" y="285008"/>
+                </a:cubicBezTo>
+                <a:cubicBezTo>
+                  <a:pt x="93291" y="352818"/>
+                  <a:pt x="91028" y="312681"/>
+                  <a:pt x="130638" y="368135"/>
+                </a:cubicBezTo>
+                <a:cubicBezTo>
+                  <a:pt x="208792" y="477549"/>
+                  <a:pt x="97386" y="358633"/>
+                  <a:pt x="190015" y="451262"/>
+                </a:cubicBezTo>
+                <a:cubicBezTo>
+                  <a:pt x="186057" y="518556"/>
+                  <a:pt x="184243" y="586010"/>
+                  <a:pt x="178140" y="653143"/>
+                </a:cubicBezTo>
+                <a:cubicBezTo>
+                  <a:pt x="170244" y="739993"/>
+                  <a:pt x="168655" y="683944"/>
+                  <a:pt x="154389" y="748145"/>
+                </a:cubicBezTo>
+                <a:cubicBezTo>
+                  <a:pt x="149166" y="771650"/>
+                  <a:pt x="147737" y="795892"/>
+                  <a:pt x="142514" y="819397"/>
+                </a:cubicBezTo>
+                <a:cubicBezTo>
+                  <a:pt x="139798" y="831617"/>
+                  <a:pt x="135818" y="843627"/>
+                  <a:pt x="130638" y="855023"/>
+                </a:cubicBezTo>
+                <a:cubicBezTo>
+                  <a:pt x="115987" y="887255"/>
+                  <a:pt x="83137" y="950026"/>
+                  <a:pt x="83137" y="950026"/>
+                </a:cubicBezTo>
+                <a:cubicBezTo>
+                  <a:pt x="79179" y="965860"/>
+                  <a:pt x="75746" y="981834"/>
+                  <a:pt x="71262" y="997527"/>
+                </a:cubicBezTo>
+                <a:cubicBezTo>
+                  <a:pt x="67823" y="1009563"/>
+                  <a:pt x="60384" y="1020675"/>
+                  <a:pt x="59386" y="1033153"/>
+                </a:cubicBezTo>
+                <a:cubicBezTo>
+                  <a:pt x="50114" y="1149057"/>
+                  <a:pt x="56840" y="1272791"/>
+                  <a:pt x="35636" y="1389413"/>
+                </a:cubicBezTo>
+                <a:cubicBezTo>
+                  <a:pt x="33397" y="1401729"/>
+                  <a:pt x="27719" y="1413164"/>
+                  <a:pt x="23760" y="1425039"/>
+                </a:cubicBezTo>
+                <a:cubicBezTo>
+                  <a:pt x="-1230" y="1599973"/>
+                  <a:pt x="10" y="1570072"/>
+                  <a:pt x="10" y="1852551"/>
+                </a:cubicBezTo>
+                <a:cubicBezTo>
+                  <a:pt x="10" y="1892333"/>
+                  <a:pt x="6951" y="1931829"/>
+                  <a:pt x="11885" y="1971304"/>
+                </a:cubicBezTo>
+                <a:cubicBezTo>
+                  <a:pt x="22452" y="2055837"/>
+                  <a:pt x="26576" y="2111785"/>
+                  <a:pt x="47511" y="2185060"/>
+                </a:cubicBezTo>
+                <a:cubicBezTo>
+                  <a:pt x="50950" y="2197096"/>
+                  <a:pt x="53788" y="2209490"/>
+                  <a:pt x="59386" y="2220686"/>
+                </a:cubicBezTo>
+                <a:cubicBezTo>
+                  <a:pt x="65769" y="2233452"/>
+                  <a:pt x="75220" y="2244437"/>
+                  <a:pt x="83137" y="2256312"/>
+                </a:cubicBezTo>
+                <a:cubicBezTo>
+                  <a:pt x="87095" y="2268187"/>
+                  <a:pt x="89414" y="2280742"/>
+                  <a:pt x="95012" y="2291938"/>
+                </a:cubicBezTo>
+                <a:cubicBezTo>
+                  <a:pt x="101395" y="2304704"/>
+                  <a:pt x="113752" y="2314200"/>
+                  <a:pt x="118763" y="2327564"/>
+                </a:cubicBezTo>
+                <a:cubicBezTo>
+                  <a:pt x="123740" y="2340837"/>
+                  <a:pt x="141181" y="2450195"/>
+                  <a:pt x="142514" y="2458192"/>
+                </a:cubicBezTo>
+                <a:cubicBezTo>
+                  <a:pt x="146472" y="2569028"/>
+                  <a:pt x="139731" y="2680767"/>
+                  <a:pt x="154389" y="2790701"/>
+                </a:cubicBezTo>
+                <a:cubicBezTo>
+                  <a:pt x="156275" y="2804848"/>
+                  <a:pt x="181099" y="2803307"/>
+                  <a:pt x="190015" y="2814452"/>
+                </a:cubicBezTo>
+                <a:cubicBezTo>
+                  <a:pt x="197835" y="2824227"/>
+                  <a:pt x="197932" y="2838203"/>
+                  <a:pt x="201890" y="2850078"/>
+                </a:cubicBezTo>
+                <a:cubicBezTo>
+                  <a:pt x="197726" y="2895888"/>
+                  <a:pt x="191756" y="2997494"/>
+                  <a:pt x="178140" y="3051958"/>
+                </a:cubicBezTo>
+                <a:cubicBezTo>
+                  <a:pt x="172068" y="3076246"/>
+                  <a:pt x="159299" y="3098661"/>
+                  <a:pt x="154389" y="3123210"/>
+                </a:cubicBezTo>
+                <a:cubicBezTo>
+                  <a:pt x="146472" y="3162795"/>
+                  <a:pt x="140429" y="3202801"/>
+                  <a:pt x="130638" y="3241964"/>
+                </a:cubicBezTo>
+                <a:cubicBezTo>
+                  <a:pt x="126680" y="3257798"/>
+                  <a:pt x="122183" y="3273506"/>
+                  <a:pt x="118763" y="3289465"/>
+                </a:cubicBezTo>
+                <a:cubicBezTo>
+                  <a:pt x="78336" y="3478125"/>
+                  <a:pt x="110251" y="3347262"/>
+                  <a:pt x="83137" y="3455719"/>
+                </a:cubicBezTo>
+                <a:cubicBezTo>
+                  <a:pt x="87232" y="3488478"/>
+                  <a:pt x="88580" y="3549732"/>
+                  <a:pt x="106888" y="3586348"/>
+                </a:cubicBezTo>
+                <a:cubicBezTo>
+                  <a:pt x="113271" y="3599113"/>
+                  <a:pt x="130638" y="3621974"/>
+                  <a:pt x="130638" y="3621974"/>
+                </a:cubicBezTo>
+              </a:path>
+            </a:pathLst>
+          </a:custGeom>
+          <a:noFill/>
+          <a:ln>
+            <a:solidFill>
+              <a:schemeClr val="tx1"/>
+            </a:solidFill>
+          </a:ln>
+        </p:spPr>
+        <p:style>
+          <a:lnRef idx="2">
+            <a:schemeClr val="accent1">
+              <a:shade val="50000"/>
+            </a:schemeClr>
+          </a:lnRef>
+          <a:fillRef idx="1">
+            <a:schemeClr val="accent1"/>
+          </a:fillRef>
+          <a:effectRef idx="0">
+            <a:schemeClr val="accent1"/>
+          </a:effectRef>
+          <a:fontRef idx="minor">
+            <a:schemeClr val="lt1"/>
+          </a:fontRef>
+        </p:style>
+        <p:txBody>
+          <a:bodyPr rtlCol="0" anchor="ctr"/>
+          <a:lstStyle/>
+          <a:p>
+            <a:pPr algn="ctr"/>
+            <a:endParaRPr kumimoji="1" lang="ja-JP" altLang="en-US"/>
+          </a:p>
+        </p:txBody>
+      </p:sp>
+      <p:sp>
+        <p:nvSpPr>
+          <p:cNvPr id="6" name="フリーフォーム 5"/>
+          <p:cNvSpPr/>
+          <p:nvPr/>
+        </p:nvSpPr>
+        <p:spPr>
+          <a:xfrm>
+            <a:off x="4093424" y="1638795"/>
+            <a:ext cx="213967" cy="2517569"/>
+          </a:xfrm>
+          <a:custGeom>
+            <a:avLst/>
+            <a:gdLst>
+              <a:gd name="connsiteX0" fmla="*/ 178130 w 213967"/>
+              <a:gd name="connsiteY0" fmla="*/ 0 h 2517569"/>
+              <a:gd name="connsiteX1" fmla="*/ 130629 w 213967"/>
+              <a:gd name="connsiteY1" fmla="*/ 59376 h 2517569"/>
+              <a:gd name="connsiteX2" fmla="*/ 71252 w 213967"/>
+              <a:gd name="connsiteY2" fmla="*/ 154379 h 2517569"/>
+              <a:gd name="connsiteX3" fmla="*/ 47502 w 213967"/>
+              <a:gd name="connsiteY3" fmla="*/ 237506 h 2517569"/>
+              <a:gd name="connsiteX4" fmla="*/ 35626 w 213967"/>
+              <a:gd name="connsiteY4" fmla="*/ 273132 h 2517569"/>
+              <a:gd name="connsiteX5" fmla="*/ 11876 w 213967"/>
+              <a:gd name="connsiteY5" fmla="*/ 380010 h 2517569"/>
+              <a:gd name="connsiteX6" fmla="*/ 0 w 213967"/>
+              <a:gd name="connsiteY6" fmla="*/ 427511 h 2517569"/>
+              <a:gd name="connsiteX7" fmla="*/ 11876 w 213967"/>
+              <a:gd name="connsiteY7" fmla="*/ 463137 h 2517569"/>
+              <a:gd name="connsiteX8" fmla="*/ 95003 w 213967"/>
+              <a:gd name="connsiteY8" fmla="*/ 486888 h 2517569"/>
+              <a:gd name="connsiteX9" fmla="*/ 190006 w 213967"/>
+              <a:gd name="connsiteY9" fmla="*/ 534389 h 2517569"/>
+              <a:gd name="connsiteX10" fmla="*/ 213756 w 213967"/>
+              <a:gd name="connsiteY10" fmla="*/ 605641 h 2517569"/>
+              <a:gd name="connsiteX11" fmla="*/ 190006 w 213967"/>
+              <a:gd name="connsiteY11" fmla="*/ 855023 h 2517569"/>
+              <a:gd name="connsiteX12" fmla="*/ 178130 w 213967"/>
+              <a:gd name="connsiteY12" fmla="*/ 890649 h 2517569"/>
+              <a:gd name="connsiteX13" fmla="*/ 154380 w 213967"/>
+              <a:gd name="connsiteY13" fmla="*/ 973776 h 2517569"/>
+              <a:gd name="connsiteX14" fmla="*/ 118754 w 213967"/>
+              <a:gd name="connsiteY14" fmla="*/ 1068779 h 2517569"/>
+              <a:gd name="connsiteX15" fmla="*/ 106878 w 213967"/>
+              <a:gd name="connsiteY15" fmla="*/ 1104405 h 2517569"/>
+              <a:gd name="connsiteX16" fmla="*/ 83128 w 213967"/>
+              <a:gd name="connsiteY16" fmla="*/ 1223158 h 2517569"/>
+              <a:gd name="connsiteX17" fmla="*/ 71252 w 213967"/>
+              <a:gd name="connsiteY17" fmla="*/ 1282535 h 2517569"/>
+              <a:gd name="connsiteX18" fmla="*/ 59377 w 213967"/>
+              <a:gd name="connsiteY18" fmla="*/ 1341911 h 2517569"/>
+              <a:gd name="connsiteX19" fmla="*/ 47502 w 213967"/>
+              <a:gd name="connsiteY19" fmla="*/ 1389413 h 2517569"/>
+              <a:gd name="connsiteX20" fmla="*/ 59377 w 213967"/>
+              <a:gd name="connsiteY20" fmla="*/ 1710047 h 2517569"/>
+              <a:gd name="connsiteX21" fmla="*/ 71252 w 213967"/>
+              <a:gd name="connsiteY21" fmla="*/ 1757548 h 2517569"/>
+              <a:gd name="connsiteX22" fmla="*/ 83128 w 213967"/>
+              <a:gd name="connsiteY22" fmla="*/ 1852550 h 2517569"/>
+              <a:gd name="connsiteX23" fmla="*/ 106878 w 213967"/>
+              <a:gd name="connsiteY23" fmla="*/ 2006930 h 2517569"/>
+              <a:gd name="connsiteX24" fmla="*/ 118754 w 213967"/>
+              <a:gd name="connsiteY24" fmla="*/ 2517569 h 2517569"/>
+            </a:gdLst>
+            <a:ahLst/>
+            <a:cxnLst>
+              <a:cxn ang="0">
+                <a:pos x="connsiteX0" y="connsiteY0"/>
+              </a:cxn>
+              <a:cxn ang="0">
+                <a:pos x="connsiteX1" y="connsiteY1"/>
+              </a:cxn>
+              <a:cxn ang="0">
+                <a:pos x="connsiteX2" y="connsiteY2"/>
+              </a:cxn>
+              <a:cxn ang="0">
+                <a:pos x="connsiteX3" y="connsiteY3"/>
+              </a:cxn>
+              <a:cxn ang="0">
+                <a:pos x="connsiteX4" y="connsiteY4"/>
+              </a:cxn>
+              <a:cxn ang="0">
+                <a:pos x="connsiteX5" y="connsiteY5"/>
+              </a:cxn>
+              <a:cxn ang="0">
+                <a:pos x="connsiteX6" y="connsiteY6"/>
+              </a:cxn>
+              <a:cxn ang="0">
+                <a:pos x="connsiteX7" y="connsiteY7"/>
+              </a:cxn>
+              <a:cxn ang="0">
+                <a:pos x="connsiteX8" y="connsiteY8"/>
+              </a:cxn>
+              <a:cxn ang="0">
+                <a:pos x="connsiteX9" y="connsiteY9"/>
+              </a:cxn>
+              <a:cxn ang="0">
+                <a:pos x="connsiteX10" y="connsiteY10"/>
+              </a:cxn>
+              <a:cxn ang="0">
+                <a:pos x="connsiteX11" y="connsiteY11"/>
+              </a:cxn>
+              <a:cxn ang="0">
+                <a:pos x="connsiteX12" y="connsiteY12"/>
+              </a:cxn>
+              <a:cxn ang="0">
+                <a:pos x="connsiteX13" y="connsiteY13"/>
+              </a:cxn>
+              <a:cxn ang="0">
+                <a:pos x="connsiteX14" y="connsiteY14"/>
+              </a:cxn>
+              <a:cxn ang="0">
+                <a:pos x="connsiteX15" y="connsiteY15"/>
+              </a:cxn>
+              <a:cxn ang="0">
+                <a:pos x="connsiteX16" y="connsiteY16"/>
+              </a:cxn>
+              <a:cxn ang="0">
+                <a:pos x="connsiteX17" y="connsiteY17"/>
+              </a:cxn>
+              <a:cxn ang="0">
+                <a:pos x="connsiteX18" y="connsiteY18"/>
+              </a:cxn>
+              <a:cxn ang="0">
+                <a:pos x="connsiteX19" y="connsiteY19"/>
+              </a:cxn>
+              <a:cxn ang="0">
+                <a:pos x="connsiteX20" y="connsiteY20"/>
+              </a:cxn>
+              <a:cxn ang="0">
+                <a:pos x="connsiteX21" y="connsiteY21"/>
+              </a:cxn>
+              <a:cxn ang="0">
+                <a:pos x="connsiteX22" y="connsiteY22"/>
+              </a:cxn>
+              <a:cxn ang="0">
+                <a:pos x="connsiteX23" y="connsiteY23"/>
+              </a:cxn>
+              <a:cxn ang="0">
+                <a:pos x="connsiteX24" y="connsiteY24"/>
+              </a:cxn>
+            </a:cxnLst>
+            <a:rect l="l" t="t" r="r" b="b"/>
+            <a:pathLst>
+              <a:path w="213967" h="2517569">
+                <a:moveTo>
+                  <a:pt x="178130" y="0"/>
+                </a:moveTo>
+                <a:cubicBezTo>
+                  <a:pt x="162296" y="19792"/>
+                  <a:pt x="145837" y="39099"/>
+                  <a:pt x="130629" y="59376"/>
+                </a:cubicBezTo>
+                <a:cubicBezTo>
+                  <a:pt x="112349" y="83749"/>
+                  <a:pt x="84667" y="132021"/>
+                  <a:pt x="71252" y="154379"/>
+                </a:cubicBezTo>
+                <a:cubicBezTo>
+                  <a:pt x="63335" y="182088"/>
+                  <a:pt x="55783" y="209904"/>
+                  <a:pt x="47502" y="237506"/>
+                </a:cubicBezTo>
+                <a:cubicBezTo>
+                  <a:pt x="43905" y="249496"/>
+                  <a:pt x="39065" y="261096"/>
+                  <a:pt x="35626" y="273132"/>
+                </a:cubicBezTo>
+                <a:cubicBezTo>
+                  <a:pt x="21147" y="323809"/>
+                  <a:pt x="24119" y="324918"/>
+                  <a:pt x="11876" y="380010"/>
+                </a:cubicBezTo>
+                <a:cubicBezTo>
+                  <a:pt x="8335" y="395942"/>
+                  <a:pt x="3959" y="411677"/>
+                  <a:pt x="0" y="427511"/>
+                </a:cubicBezTo>
+                <a:cubicBezTo>
+                  <a:pt x="3959" y="439386"/>
+                  <a:pt x="3025" y="454286"/>
+                  <a:pt x="11876" y="463137"/>
+                </a:cubicBezTo>
+                <a:cubicBezTo>
+                  <a:pt x="17596" y="468857"/>
+                  <a:pt x="94537" y="486733"/>
+                  <a:pt x="95003" y="486888"/>
+                </a:cubicBezTo>
+                <a:cubicBezTo>
+                  <a:pt x="153104" y="506255"/>
+                  <a:pt x="146369" y="505299"/>
+                  <a:pt x="190006" y="534389"/>
+                </a:cubicBezTo>
+                <a:cubicBezTo>
+                  <a:pt x="197923" y="558140"/>
+                  <a:pt x="216130" y="580718"/>
+                  <a:pt x="213756" y="605641"/>
+                </a:cubicBezTo>
+                <a:cubicBezTo>
+                  <a:pt x="205839" y="688768"/>
+                  <a:pt x="200363" y="772164"/>
+                  <a:pt x="190006" y="855023"/>
+                </a:cubicBezTo>
+                <a:cubicBezTo>
+                  <a:pt x="188453" y="867444"/>
+                  <a:pt x="181727" y="878659"/>
+                  <a:pt x="178130" y="890649"/>
+                </a:cubicBezTo>
+                <a:cubicBezTo>
+                  <a:pt x="169849" y="918251"/>
+                  <a:pt x="162661" y="946174"/>
+                  <a:pt x="154380" y="973776"/>
+                </a:cubicBezTo>
+                <a:cubicBezTo>
+                  <a:pt x="140909" y="1018680"/>
+                  <a:pt x="138390" y="1016417"/>
+                  <a:pt x="118754" y="1068779"/>
+                </a:cubicBezTo>
+                <a:cubicBezTo>
+                  <a:pt x="114359" y="1080500"/>
+                  <a:pt x="109693" y="1092208"/>
+                  <a:pt x="106878" y="1104405"/>
+                </a:cubicBezTo>
+                <a:cubicBezTo>
+                  <a:pt x="97801" y="1143739"/>
+                  <a:pt x="91045" y="1183574"/>
+                  <a:pt x="83128" y="1223158"/>
+                </a:cubicBezTo>
+                <a:lnTo>
+                  <a:pt x="71252" y="1282535"/>
+                </a:lnTo>
+                <a:cubicBezTo>
+                  <a:pt x="67294" y="1302327"/>
+                  <a:pt x="64272" y="1322330"/>
+                  <a:pt x="59377" y="1341911"/>
+                </a:cubicBezTo>
+                <a:lnTo>
+                  <a:pt x="47502" y="1389413"/>
+                </a:lnTo>
+                <a:cubicBezTo>
+                  <a:pt x="51460" y="1496291"/>
+                  <a:pt x="52491" y="1603318"/>
+                  <a:pt x="59377" y="1710047"/>
+                </a:cubicBezTo>
+                <a:cubicBezTo>
+                  <a:pt x="60428" y="1726334"/>
+                  <a:pt x="68569" y="1741449"/>
+                  <a:pt x="71252" y="1757548"/>
+                </a:cubicBezTo>
+                <a:cubicBezTo>
+                  <a:pt x="76499" y="1789028"/>
+                  <a:pt x="78275" y="1821007"/>
+                  <a:pt x="83128" y="1852550"/>
+                </a:cubicBezTo>
+                <a:cubicBezTo>
+                  <a:pt x="119388" y="2088234"/>
+                  <a:pt x="63840" y="1662613"/>
+                  <a:pt x="106878" y="2006930"/>
+                </a:cubicBezTo>
+                <a:cubicBezTo>
+                  <a:pt x="119160" y="2485896"/>
+                  <a:pt x="118754" y="2315637"/>
+                  <a:pt x="118754" y="2517569"/>
+                </a:cubicBezTo>
+              </a:path>
+            </a:pathLst>
+          </a:custGeom>
+          <a:noFill/>
+          <a:ln>
+            <a:solidFill>
+              <a:schemeClr val="tx1"/>
+            </a:solidFill>
+          </a:ln>
+        </p:spPr>
+        <p:style>
+          <a:lnRef idx="2">
+            <a:schemeClr val="accent1">
+              <a:shade val="50000"/>
+            </a:schemeClr>
+          </a:lnRef>
+          <a:fillRef idx="1">
+            <a:schemeClr val="accent1"/>
+          </a:fillRef>
+          <a:effectRef idx="0">
+            <a:schemeClr val="accent1"/>
+          </a:effectRef>
+          <a:fontRef idx="minor">
+            <a:schemeClr val="lt1"/>
+          </a:fontRef>
+        </p:style>
+        <p:txBody>
+          <a:bodyPr rtlCol="0" anchor="ctr"/>
+          <a:lstStyle/>
+          <a:p>
+            <a:pPr algn="ctr"/>
+            <a:endParaRPr kumimoji="1" lang="ja-JP" altLang="en-US"/>
+          </a:p>
+        </p:txBody>
+      </p:sp>
+      <p:sp>
+        <p:nvSpPr>
+          <p:cNvPr id="7" name="フリーフォーム 6"/>
+          <p:cNvSpPr/>
+          <p:nvPr/>
+        </p:nvSpPr>
+        <p:spPr>
+          <a:xfrm>
+            <a:off x="3548107" y="1591294"/>
+            <a:ext cx="225528" cy="3146961"/>
+          </a:xfrm>
+          <a:custGeom>
+            <a:avLst/>
+            <a:gdLst>
+              <a:gd name="connsiteX0" fmla="*/ 216371 w 225528"/>
+              <a:gd name="connsiteY0" fmla="*/ 0 h 3146961"/>
+              <a:gd name="connsiteX1" fmla="*/ 133244 w 225528"/>
+              <a:gd name="connsiteY1" fmla="*/ 106877 h 3146961"/>
+              <a:gd name="connsiteX2" fmla="*/ 61992 w 225528"/>
+              <a:gd name="connsiteY2" fmla="*/ 237506 h 3146961"/>
+              <a:gd name="connsiteX3" fmla="*/ 26366 w 225528"/>
+              <a:gd name="connsiteY3" fmla="*/ 285007 h 3146961"/>
+              <a:gd name="connsiteX4" fmla="*/ 14490 w 225528"/>
+              <a:gd name="connsiteY4" fmla="*/ 439387 h 3146961"/>
+              <a:gd name="connsiteX5" fmla="*/ 50116 w 225528"/>
+              <a:gd name="connsiteY5" fmla="*/ 463137 h 3146961"/>
+              <a:gd name="connsiteX6" fmla="*/ 133244 w 225528"/>
+              <a:gd name="connsiteY6" fmla="*/ 486888 h 3146961"/>
+              <a:gd name="connsiteX7" fmla="*/ 204496 w 225528"/>
+              <a:gd name="connsiteY7" fmla="*/ 510638 h 3146961"/>
+              <a:gd name="connsiteX8" fmla="*/ 204496 w 225528"/>
+              <a:gd name="connsiteY8" fmla="*/ 795646 h 3146961"/>
+              <a:gd name="connsiteX9" fmla="*/ 180745 w 225528"/>
+              <a:gd name="connsiteY9" fmla="*/ 1080654 h 3146961"/>
+              <a:gd name="connsiteX10" fmla="*/ 168870 w 225528"/>
+              <a:gd name="connsiteY10" fmla="*/ 1555667 h 3146961"/>
+              <a:gd name="connsiteX11" fmla="*/ 192620 w 225528"/>
+              <a:gd name="connsiteY11" fmla="*/ 2173184 h 3146961"/>
+              <a:gd name="connsiteX12" fmla="*/ 180745 w 225528"/>
+              <a:gd name="connsiteY12" fmla="*/ 2434441 h 3146961"/>
+              <a:gd name="connsiteX13" fmla="*/ 168870 w 225528"/>
+              <a:gd name="connsiteY13" fmla="*/ 2470067 h 3146961"/>
+              <a:gd name="connsiteX14" fmla="*/ 156994 w 225528"/>
+              <a:gd name="connsiteY14" fmla="*/ 2553194 h 3146961"/>
+              <a:gd name="connsiteX15" fmla="*/ 133244 w 225528"/>
+              <a:gd name="connsiteY15" fmla="*/ 2612571 h 3146961"/>
+              <a:gd name="connsiteX16" fmla="*/ 109493 w 225528"/>
+              <a:gd name="connsiteY16" fmla="*/ 2790701 h 3146961"/>
+              <a:gd name="connsiteX17" fmla="*/ 97618 w 225528"/>
+              <a:gd name="connsiteY17" fmla="*/ 2885703 h 3146961"/>
+              <a:gd name="connsiteX18" fmla="*/ 85742 w 225528"/>
+              <a:gd name="connsiteY18" fmla="*/ 2933205 h 3146961"/>
+              <a:gd name="connsiteX19" fmla="*/ 61992 w 225528"/>
+              <a:gd name="connsiteY19" fmla="*/ 3004457 h 3146961"/>
+              <a:gd name="connsiteX20" fmla="*/ 61992 w 225528"/>
+              <a:gd name="connsiteY20" fmla="*/ 3146961 h 3146961"/>
+            </a:gdLst>
+            <a:ahLst/>
+            <a:cxnLst>
+              <a:cxn ang="0">
+                <a:pos x="connsiteX0" y="connsiteY0"/>
+              </a:cxn>
+              <a:cxn ang="0">
+                <a:pos x="connsiteX1" y="connsiteY1"/>
+              </a:cxn>
+              <a:cxn ang="0">
+                <a:pos x="connsiteX2" y="connsiteY2"/>
+              </a:cxn>
+              <a:cxn ang="0">
+                <a:pos x="connsiteX3" y="connsiteY3"/>
+              </a:cxn>
+              <a:cxn ang="0">
+                <a:pos x="connsiteX4" y="connsiteY4"/>
+              </a:cxn>
+              <a:cxn ang="0">
+                <a:pos x="connsiteX5" y="connsiteY5"/>
+              </a:cxn>
+              <a:cxn ang="0">
+                <a:pos x="connsiteX6" y="connsiteY6"/>
+              </a:cxn>
+              <a:cxn ang="0">
+                <a:pos x="connsiteX7" y="connsiteY7"/>
+              </a:cxn>
+              <a:cxn ang="0">
+                <a:pos x="connsiteX8" y="connsiteY8"/>
+              </a:cxn>
+              <a:cxn ang="0">
+                <a:pos x="connsiteX9" y="connsiteY9"/>
+              </a:cxn>
+              <a:cxn ang="0">
+                <a:pos x="connsiteX10" y="connsiteY10"/>
+              </a:cxn>
+              <a:cxn ang="0">
+                <a:pos x="connsiteX11" y="connsiteY11"/>
+              </a:cxn>
+              <a:cxn ang="0">
+                <a:pos x="connsiteX12" y="connsiteY12"/>
+              </a:cxn>
+              <a:cxn ang="0">
+                <a:pos x="connsiteX13" y="connsiteY13"/>
+              </a:cxn>
+              <a:cxn ang="0">
+                <a:pos x="connsiteX14" y="connsiteY14"/>
+              </a:cxn>
+              <a:cxn ang="0">
+                <a:pos x="connsiteX15" y="connsiteY15"/>
+              </a:cxn>
+              <a:cxn ang="0">
+                <a:pos x="connsiteX16" y="connsiteY16"/>
+              </a:cxn>
+              <a:cxn ang="0">
+                <a:pos x="connsiteX17" y="connsiteY17"/>
+              </a:cxn>
+              <a:cxn ang="0">
+                <a:pos x="connsiteX18" y="connsiteY18"/>
+              </a:cxn>
+              <a:cxn ang="0">
+                <a:pos x="connsiteX19" y="connsiteY19"/>
+              </a:cxn>
+              <a:cxn ang="0">
+                <a:pos x="connsiteX20" y="connsiteY20"/>
+              </a:cxn>
+            </a:cxnLst>
+            <a:rect l="l" t="t" r="r" b="b"/>
+            <a:pathLst>
+              <a:path w="225528" h="3146961">
+                <a:moveTo>
+                  <a:pt x="216371" y="0"/>
+                </a:moveTo>
+                <a:cubicBezTo>
+                  <a:pt x="129753" y="144362"/>
+                  <a:pt x="235359" y="-20766"/>
+                  <a:pt x="133244" y="106877"/>
+                </a:cubicBezTo>
+                <a:cubicBezTo>
+                  <a:pt x="42335" y="220512"/>
+                  <a:pt x="119928" y="133220"/>
+                  <a:pt x="61992" y="237506"/>
+                </a:cubicBezTo>
+                <a:cubicBezTo>
+                  <a:pt x="52380" y="254807"/>
+                  <a:pt x="38241" y="269173"/>
+                  <a:pt x="26366" y="285007"/>
+                </a:cubicBezTo>
+                <a:cubicBezTo>
+                  <a:pt x="6239" y="345387"/>
+                  <a:pt x="-14873" y="373319"/>
+                  <a:pt x="14490" y="439387"/>
+                </a:cubicBezTo>
+                <a:cubicBezTo>
+                  <a:pt x="20286" y="452429"/>
+                  <a:pt x="37350" y="456754"/>
+                  <a:pt x="50116" y="463137"/>
+                </a:cubicBezTo>
+                <a:cubicBezTo>
+                  <a:pt x="70067" y="473112"/>
+                  <a:pt x="114225" y="481182"/>
+                  <a:pt x="133244" y="486888"/>
+                </a:cubicBezTo>
+                <a:cubicBezTo>
+                  <a:pt x="157224" y="494082"/>
+                  <a:pt x="204496" y="510638"/>
+                  <a:pt x="204496" y="510638"/>
+                </a:cubicBezTo>
+                <a:cubicBezTo>
+                  <a:pt x="242062" y="623339"/>
+                  <a:pt x="221124" y="546232"/>
+                  <a:pt x="204496" y="795646"/>
+                </a:cubicBezTo>
+                <a:cubicBezTo>
+                  <a:pt x="198155" y="890767"/>
+                  <a:pt x="180745" y="1080654"/>
+                  <a:pt x="180745" y="1080654"/>
+                </a:cubicBezTo>
+                <a:cubicBezTo>
+                  <a:pt x="176787" y="1238992"/>
+                  <a:pt x="168870" y="1397280"/>
+                  <a:pt x="168870" y="1555667"/>
+                </a:cubicBezTo>
+                <a:cubicBezTo>
+                  <a:pt x="168870" y="2051613"/>
+                  <a:pt x="152443" y="1932113"/>
+                  <a:pt x="192620" y="2173184"/>
+                </a:cubicBezTo>
+                <a:cubicBezTo>
+                  <a:pt x="188662" y="2260270"/>
+                  <a:pt x="187697" y="2347543"/>
+                  <a:pt x="180745" y="2434441"/>
+                </a:cubicBezTo>
+                <a:cubicBezTo>
+                  <a:pt x="179747" y="2446919"/>
+                  <a:pt x="171325" y="2457792"/>
+                  <a:pt x="168870" y="2470067"/>
+                </a:cubicBezTo>
+                <a:cubicBezTo>
+                  <a:pt x="163381" y="2497514"/>
+                  <a:pt x="163783" y="2526039"/>
+                  <a:pt x="156994" y="2553194"/>
+                </a:cubicBezTo>
+                <a:cubicBezTo>
+                  <a:pt x="151824" y="2573874"/>
+                  <a:pt x="141161" y="2592779"/>
+                  <a:pt x="133244" y="2612571"/>
+                </a:cubicBezTo>
+                <a:cubicBezTo>
+                  <a:pt x="99188" y="2885002"/>
+                  <a:pt x="142289" y="2544727"/>
+                  <a:pt x="109493" y="2790701"/>
+                </a:cubicBezTo>
+                <a:cubicBezTo>
+                  <a:pt x="105275" y="2822335"/>
+                  <a:pt x="102865" y="2854223"/>
+                  <a:pt x="97618" y="2885703"/>
+                </a:cubicBezTo>
+                <a:cubicBezTo>
+                  <a:pt x="94935" y="2901802"/>
+                  <a:pt x="90432" y="2917572"/>
+                  <a:pt x="85742" y="2933205"/>
+                </a:cubicBezTo>
+                <a:cubicBezTo>
+                  <a:pt x="78548" y="2957185"/>
+                  <a:pt x="61992" y="2979422"/>
+                  <a:pt x="61992" y="3004457"/>
+                </a:cubicBezTo>
+                <a:lnTo>
+                  <a:pt x="61992" y="3146961"/>
+                </a:lnTo>
+              </a:path>
+            </a:pathLst>
+          </a:custGeom>
+          <a:noFill/>
+          <a:ln>
+            <a:solidFill>
+              <a:schemeClr val="tx1"/>
+            </a:solidFill>
+          </a:ln>
+        </p:spPr>
+        <p:style>
+          <a:lnRef idx="2">
+            <a:schemeClr val="accent1">
+              <a:shade val="50000"/>
+            </a:schemeClr>
+          </a:lnRef>
+          <a:fillRef idx="1">
+            <a:schemeClr val="accent1"/>
+          </a:fillRef>
+          <a:effectRef idx="0">
+            <a:schemeClr val="accent1"/>
+          </a:effectRef>
+          <a:fontRef idx="minor">
+            <a:schemeClr val="lt1"/>
+          </a:fontRef>
+        </p:style>
+        <p:txBody>
+          <a:bodyPr rtlCol="0" anchor="ctr"/>
+          <a:lstStyle/>
+          <a:p>
+            <a:pPr algn="ctr"/>
+            <a:endParaRPr kumimoji="1" lang="ja-JP" altLang="en-US"/>
+          </a:p>
+        </p:txBody>
+      </p:sp>
+      <p:sp>
+        <p:nvSpPr>
+          <p:cNvPr id="8" name="フリーフォーム 7"/>
+          <p:cNvSpPr/>
+          <p:nvPr/>
+        </p:nvSpPr>
+        <p:spPr>
+          <a:xfrm>
+            <a:off x="2986743" y="1698171"/>
+            <a:ext cx="213756" cy="3182587"/>
+          </a:xfrm>
+          <a:custGeom>
+            <a:avLst/>
+            <a:gdLst>
+              <a:gd name="connsiteX0" fmla="*/ 106878 w 213756"/>
+              <a:gd name="connsiteY0" fmla="*/ 0 h 3182587"/>
+              <a:gd name="connsiteX1" fmla="*/ 130629 w 213756"/>
+              <a:gd name="connsiteY1" fmla="*/ 118754 h 3182587"/>
+              <a:gd name="connsiteX2" fmla="*/ 142504 w 213756"/>
+              <a:gd name="connsiteY2" fmla="*/ 332510 h 3182587"/>
+              <a:gd name="connsiteX3" fmla="*/ 178130 w 213756"/>
+              <a:gd name="connsiteY3" fmla="*/ 356260 h 3182587"/>
+              <a:gd name="connsiteX4" fmla="*/ 201881 w 213756"/>
+              <a:gd name="connsiteY4" fmla="*/ 391886 h 3182587"/>
+              <a:gd name="connsiteX5" fmla="*/ 178130 w 213756"/>
+              <a:gd name="connsiteY5" fmla="*/ 522515 h 3182587"/>
+              <a:gd name="connsiteX6" fmla="*/ 142504 w 213756"/>
+              <a:gd name="connsiteY6" fmla="*/ 581891 h 3182587"/>
+              <a:gd name="connsiteX7" fmla="*/ 106878 w 213756"/>
+              <a:gd name="connsiteY7" fmla="*/ 653143 h 3182587"/>
+              <a:gd name="connsiteX8" fmla="*/ 47501 w 213756"/>
+              <a:gd name="connsiteY8" fmla="*/ 748146 h 3182587"/>
+              <a:gd name="connsiteX9" fmla="*/ 0 w 213756"/>
+              <a:gd name="connsiteY9" fmla="*/ 843148 h 3182587"/>
+              <a:gd name="connsiteX10" fmla="*/ 11875 w 213756"/>
+              <a:gd name="connsiteY10" fmla="*/ 985652 h 3182587"/>
+              <a:gd name="connsiteX11" fmla="*/ 35626 w 213756"/>
+              <a:gd name="connsiteY11" fmla="*/ 1021278 h 3182587"/>
+              <a:gd name="connsiteX12" fmla="*/ 59377 w 213756"/>
+              <a:gd name="connsiteY12" fmla="*/ 1116281 h 3182587"/>
+              <a:gd name="connsiteX13" fmla="*/ 83127 w 213756"/>
+              <a:gd name="connsiteY13" fmla="*/ 1151907 h 3182587"/>
+              <a:gd name="connsiteX14" fmla="*/ 106878 w 213756"/>
+              <a:gd name="connsiteY14" fmla="*/ 1223159 h 3182587"/>
+              <a:gd name="connsiteX15" fmla="*/ 166255 w 213756"/>
+              <a:gd name="connsiteY15" fmla="*/ 1828800 h 3182587"/>
+              <a:gd name="connsiteX16" fmla="*/ 201881 w 213756"/>
+              <a:gd name="connsiteY16" fmla="*/ 1852551 h 3182587"/>
+              <a:gd name="connsiteX17" fmla="*/ 213756 w 213756"/>
+              <a:gd name="connsiteY17" fmla="*/ 1888177 h 3182587"/>
+              <a:gd name="connsiteX18" fmla="*/ 178130 w 213756"/>
+              <a:gd name="connsiteY18" fmla="*/ 1971304 h 3182587"/>
+              <a:gd name="connsiteX19" fmla="*/ 154379 w 213756"/>
+              <a:gd name="connsiteY19" fmla="*/ 2042556 h 3182587"/>
+              <a:gd name="connsiteX20" fmla="*/ 142504 w 213756"/>
+              <a:gd name="connsiteY20" fmla="*/ 2078182 h 3182587"/>
+              <a:gd name="connsiteX21" fmla="*/ 142504 w 213756"/>
+              <a:gd name="connsiteY21" fmla="*/ 2398816 h 3182587"/>
+              <a:gd name="connsiteX22" fmla="*/ 166255 w 213756"/>
+              <a:gd name="connsiteY22" fmla="*/ 2612572 h 3182587"/>
+              <a:gd name="connsiteX23" fmla="*/ 178130 w 213756"/>
+              <a:gd name="connsiteY23" fmla="*/ 2648198 h 3182587"/>
+              <a:gd name="connsiteX24" fmla="*/ 166255 w 213756"/>
+              <a:gd name="connsiteY24" fmla="*/ 2778826 h 3182587"/>
+              <a:gd name="connsiteX25" fmla="*/ 142504 w 213756"/>
+              <a:gd name="connsiteY25" fmla="*/ 2850078 h 3182587"/>
+              <a:gd name="connsiteX26" fmla="*/ 130629 w 213756"/>
+              <a:gd name="connsiteY26" fmla="*/ 3028208 h 3182587"/>
+              <a:gd name="connsiteX27" fmla="*/ 118753 w 213756"/>
+              <a:gd name="connsiteY27" fmla="*/ 3063834 h 3182587"/>
+              <a:gd name="connsiteX28" fmla="*/ 118753 w 213756"/>
+              <a:gd name="connsiteY28" fmla="*/ 3182587 h 3182587"/>
+            </a:gdLst>
+            <a:ahLst/>
+            <a:cxnLst>
+              <a:cxn ang="0">
+                <a:pos x="connsiteX0" y="connsiteY0"/>
+              </a:cxn>
+              <a:cxn ang="0">
+                <a:pos x="connsiteX1" y="connsiteY1"/>
+              </a:cxn>
+              <a:cxn ang="0">
+                <a:pos x="connsiteX2" y="connsiteY2"/>
+              </a:cxn>
+              <a:cxn ang="0">
+                <a:pos x="connsiteX3" y="connsiteY3"/>
+              </a:cxn>
+              <a:cxn ang="0">
+                <a:pos x="connsiteX4" y="connsiteY4"/>
+              </a:cxn>
+              <a:cxn ang="0">
+                <a:pos x="connsiteX5" y="connsiteY5"/>
+              </a:cxn>
+              <a:cxn ang="0">
+                <a:pos x="connsiteX6" y="connsiteY6"/>
+              </a:cxn>
+              <a:cxn ang="0">
+                <a:pos x="connsiteX7" y="connsiteY7"/>
+              </a:cxn>
+              <a:cxn ang="0">
+                <a:pos x="connsiteX8" y="connsiteY8"/>
+              </a:cxn>
+              <a:cxn ang="0">
+                <a:pos x="connsiteX9" y="connsiteY9"/>
+              </a:cxn>
+              <a:cxn ang="0">
+                <a:pos x="connsiteX10" y="connsiteY10"/>
+              </a:cxn>
+              <a:cxn ang="0">
+                <a:pos x="connsiteX11" y="connsiteY11"/>
+              </a:cxn>
+              <a:cxn ang="0">
+                <a:pos x="connsiteX12" y="connsiteY12"/>
+              </a:cxn>
+              <a:cxn ang="0">
+                <a:pos x="connsiteX13" y="connsiteY13"/>
+              </a:cxn>
+              <a:cxn ang="0">
+                <a:pos x="connsiteX14" y="connsiteY14"/>
+              </a:cxn>
+              <a:cxn ang="0">
+                <a:pos x="connsiteX15" y="connsiteY15"/>
+              </a:cxn>
+              <a:cxn ang="0">
+                <a:pos x="connsiteX16" y="connsiteY16"/>
+              </a:cxn>
+              <a:cxn ang="0">
+                <a:pos x="connsiteX17" y="connsiteY17"/>
+              </a:cxn>
+              <a:cxn ang="0">
+                <a:pos x="connsiteX18" y="connsiteY18"/>
+              </a:cxn>
+              <a:cxn ang="0">
+                <a:pos x="connsiteX19" y="connsiteY19"/>
+              </a:cxn>
+              <a:cxn ang="0">
+                <a:pos x="connsiteX20" y="connsiteY20"/>
+              </a:cxn>
+              <a:cxn ang="0">
+                <a:pos x="connsiteX21" y="connsiteY21"/>
+              </a:cxn>
+              <a:cxn ang="0">
+                <a:pos x="connsiteX22" y="connsiteY22"/>
+              </a:cxn>
+              <a:cxn ang="0">
+                <a:pos x="connsiteX23" y="connsiteY23"/>
+              </a:cxn>
+              <a:cxn ang="0">
+                <a:pos x="connsiteX24" y="connsiteY24"/>
+              </a:cxn>
+              <a:cxn ang="0">
+                <a:pos x="connsiteX25" y="connsiteY25"/>
+              </a:cxn>
+              <a:cxn ang="0">
+                <a:pos x="connsiteX26" y="connsiteY26"/>
+              </a:cxn>
+              <a:cxn ang="0">
+                <a:pos x="connsiteX27" y="connsiteY27"/>
+              </a:cxn>
+              <a:cxn ang="0">
+                <a:pos x="connsiteX28" y="connsiteY28"/>
+              </a:cxn>
+            </a:cxnLst>
+            <a:rect l="l" t="t" r="r" b="b"/>
+            <a:pathLst>
+              <a:path w="213756" h="3182587">
+                <a:moveTo>
+                  <a:pt x="106878" y="0"/>
+                </a:moveTo>
+                <a:cubicBezTo>
+                  <a:pt x="114795" y="39585"/>
+                  <a:pt x="128390" y="78448"/>
+                  <a:pt x="130629" y="118754"/>
+                </a:cubicBezTo>
+                <a:cubicBezTo>
+                  <a:pt x="134587" y="190006"/>
+                  <a:pt x="128509" y="262534"/>
+                  <a:pt x="142504" y="332510"/>
+                </a:cubicBezTo>
+                <a:cubicBezTo>
+                  <a:pt x="145303" y="346505"/>
+                  <a:pt x="166255" y="348343"/>
+                  <a:pt x="178130" y="356260"/>
+                </a:cubicBezTo>
+                <a:cubicBezTo>
+                  <a:pt x="186047" y="368135"/>
+                  <a:pt x="200589" y="377672"/>
+                  <a:pt x="201881" y="391886"/>
+                </a:cubicBezTo>
+                <a:cubicBezTo>
+                  <a:pt x="203770" y="412665"/>
+                  <a:pt x="194089" y="490597"/>
+                  <a:pt x="178130" y="522515"/>
+                </a:cubicBezTo>
+                <a:cubicBezTo>
+                  <a:pt x="167808" y="543160"/>
+                  <a:pt x="152826" y="561246"/>
+                  <a:pt x="142504" y="581891"/>
+                </a:cubicBezTo>
+                <a:cubicBezTo>
+                  <a:pt x="93338" y="680223"/>
+                  <a:pt x="174945" y="551043"/>
+                  <a:pt x="106878" y="653143"/>
+                </a:cubicBezTo>
+                <a:cubicBezTo>
+                  <a:pt x="83883" y="722129"/>
+                  <a:pt x="109109" y="660134"/>
+                  <a:pt x="47501" y="748146"/>
+                </a:cubicBezTo>
+                <a:cubicBezTo>
+                  <a:pt x="11809" y="799135"/>
+                  <a:pt x="15717" y="795996"/>
+                  <a:pt x="0" y="843148"/>
+                </a:cubicBezTo>
+                <a:cubicBezTo>
+                  <a:pt x="3958" y="890649"/>
+                  <a:pt x="2527" y="938912"/>
+                  <a:pt x="11875" y="985652"/>
+                </a:cubicBezTo>
+                <a:cubicBezTo>
+                  <a:pt x="14674" y="999647"/>
+                  <a:pt x="30615" y="1007914"/>
+                  <a:pt x="35626" y="1021278"/>
+                </a:cubicBezTo>
+                <a:cubicBezTo>
+                  <a:pt x="55958" y="1075497"/>
+                  <a:pt x="37395" y="1072318"/>
+                  <a:pt x="59377" y="1116281"/>
+                </a:cubicBezTo>
+                <a:cubicBezTo>
+                  <a:pt x="65760" y="1129046"/>
+                  <a:pt x="77331" y="1138865"/>
+                  <a:pt x="83127" y="1151907"/>
+                </a:cubicBezTo>
+                <a:cubicBezTo>
+                  <a:pt x="93295" y="1174785"/>
+                  <a:pt x="106878" y="1223159"/>
+                  <a:pt x="106878" y="1223159"/>
+                </a:cubicBezTo>
+                <a:cubicBezTo>
+                  <a:pt x="117719" y="1743518"/>
+                  <a:pt x="-33134" y="1686380"/>
+                  <a:pt x="166255" y="1828800"/>
+                </a:cubicBezTo>
+                <a:cubicBezTo>
+                  <a:pt x="177869" y="1837096"/>
+                  <a:pt x="190006" y="1844634"/>
+                  <a:pt x="201881" y="1852551"/>
+                </a:cubicBezTo>
+                <a:cubicBezTo>
+                  <a:pt x="205839" y="1864426"/>
+                  <a:pt x="213756" y="1875659"/>
+                  <a:pt x="213756" y="1888177"/>
+                </a:cubicBezTo>
+                <a:cubicBezTo>
+                  <a:pt x="213756" y="1926520"/>
+                  <a:pt x="197523" y="1942215"/>
+                  <a:pt x="178130" y="1971304"/>
+                </a:cubicBezTo>
+                <a:lnTo>
+                  <a:pt x="154379" y="2042556"/>
+                </a:lnTo>
+                <a:lnTo>
+                  <a:pt x="142504" y="2078182"/>
+                </a:lnTo>
+                <a:cubicBezTo>
+                  <a:pt x="124777" y="2255452"/>
+                  <a:pt x="126843" y="2171723"/>
+                  <a:pt x="142504" y="2398816"/>
+                </a:cubicBezTo>
+                <a:cubicBezTo>
+                  <a:pt x="147058" y="2464847"/>
+                  <a:pt x="151251" y="2545054"/>
+                  <a:pt x="166255" y="2612572"/>
+                </a:cubicBezTo>
+                <a:cubicBezTo>
+                  <a:pt x="168970" y="2624792"/>
+                  <a:pt x="174172" y="2636323"/>
+                  <a:pt x="178130" y="2648198"/>
+                </a:cubicBezTo>
+                <a:cubicBezTo>
+                  <a:pt x="174172" y="2691741"/>
+                  <a:pt x="173853" y="2735769"/>
+                  <a:pt x="166255" y="2778826"/>
+                </a:cubicBezTo>
+                <a:cubicBezTo>
+                  <a:pt x="161904" y="2803480"/>
+                  <a:pt x="142504" y="2850078"/>
+                  <a:pt x="142504" y="2850078"/>
+                </a:cubicBezTo>
+                <a:cubicBezTo>
+                  <a:pt x="138546" y="2909455"/>
+                  <a:pt x="137201" y="2969064"/>
+                  <a:pt x="130629" y="3028208"/>
+                </a:cubicBezTo>
+                <a:cubicBezTo>
+                  <a:pt x="129247" y="3040649"/>
+                  <a:pt x="119713" y="3051353"/>
+                  <a:pt x="118753" y="3063834"/>
+                </a:cubicBezTo>
+                <a:cubicBezTo>
+                  <a:pt x="115717" y="3103302"/>
+                  <a:pt x="118753" y="3143003"/>
+                  <a:pt x="118753" y="3182587"/>
+                </a:cubicBezTo>
+              </a:path>
+            </a:pathLst>
+          </a:custGeom>
+          <a:noFill/>
+          <a:ln>
+            <a:solidFill>
+              <a:schemeClr val="tx1"/>
+            </a:solidFill>
+          </a:ln>
+        </p:spPr>
+        <p:style>
+          <a:lnRef idx="2">
+            <a:schemeClr val="accent1">
+              <a:shade val="50000"/>
+            </a:schemeClr>
+          </a:lnRef>
+          <a:fillRef idx="1">
+            <a:schemeClr val="accent1"/>
+          </a:fillRef>
+          <a:effectRef idx="0">
+            <a:schemeClr val="accent1"/>
+          </a:effectRef>
+          <a:fontRef idx="minor">
+            <a:schemeClr val="lt1"/>
+          </a:fontRef>
+        </p:style>
+        <p:txBody>
+          <a:bodyPr rtlCol="0" anchor="ctr"/>
+          <a:lstStyle/>
+          <a:p>
+            <a:pPr algn="ctr"/>
+            <a:endParaRPr kumimoji="1" lang="ja-JP" altLang="en-US"/>
+          </a:p>
+        </p:txBody>
+      </p:sp>
+      <p:sp>
+        <p:nvSpPr>
+          <p:cNvPr id="9" name="フリーフォーム 8"/>
+          <p:cNvSpPr/>
+          <p:nvPr/>
+        </p:nvSpPr>
+        <p:spPr>
+          <a:xfrm>
+            <a:off x="2427202" y="1567543"/>
+            <a:ext cx="202589" cy="3633849"/>
+          </a:xfrm>
+          <a:custGeom>
+            <a:avLst/>
+            <a:gdLst>
+              <a:gd name="connsiteX0" fmla="*/ 202589 w 202589"/>
+              <a:gd name="connsiteY0" fmla="*/ 0 h 3633849"/>
+              <a:gd name="connsiteX1" fmla="*/ 131337 w 202589"/>
+              <a:gd name="connsiteY1" fmla="*/ 118753 h 3633849"/>
+              <a:gd name="connsiteX2" fmla="*/ 83835 w 202589"/>
+              <a:gd name="connsiteY2" fmla="*/ 273132 h 3633849"/>
+              <a:gd name="connsiteX3" fmla="*/ 48209 w 202589"/>
+              <a:gd name="connsiteY3" fmla="*/ 356260 h 3633849"/>
+              <a:gd name="connsiteX4" fmla="*/ 36334 w 202589"/>
+              <a:gd name="connsiteY4" fmla="*/ 439387 h 3633849"/>
+              <a:gd name="connsiteX5" fmla="*/ 24459 w 202589"/>
+              <a:gd name="connsiteY5" fmla="*/ 475013 h 3633849"/>
+              <a:gd name="connsiteX6" fmla="*/ 12583 w 202589"/>
+              <a:gd name="connsiteY6" fmla="*/ 558140 h 3633849"/>
+              <a:gd name="connsiteX7" fmla="*/ 24459 w 202589"/>
+              <a:gd name="connsiteY7" fmla="*/ 653143 h 3633849"/>
+              <a:gd name="connsiteX8" fmla="*/ 48209 w 202589"/>
+              <a:gd name="connsiteY8" fmla="*/ 700644 h 3633849"/>
+              <a:gd name="connsiteX9" fmla="*/ 95711 w 202589"/>
+              <a:gd name="connsiteY9" fmla="*/ 855023 h 3633849"/>
+              <a:gd name="connsiteX10" fmla="*/ 119461 w 202589"/>
+              <a:gd name="connsiteY10" fmla="*/ 902525 h 3633849"/>
+              <a:gd name="connsiteX11" fmla="*/ 143212 w 202589"/>
+              <a:gd name="connsiteY11" fmla="*/ 997527 h 3633849"/>
+              <a:gd name="connsiteX12" fmla="*/ 166963 w 202589"/>
+              <a:gd name="connsiteY12" fmla="*/ 1068779 h 3633849"/>
+              <a:gd name="connsiteX13" fmla="*/ 190713 w 202589"/>
+              <a:gd name="connsiteY13" fmla="*/ 1187532 h 3633849"/>
+              <a:gd name="connsiteX14" fmla="*/ 166963 w 202589"/>
+              <a:gd name="connsiteY14" fmla="*/ 1330036 h 3633849"/>
+              <a:gd name="connsiteX15" fmla="*/ 119461 w 202589"/>
+              <a:gd name="connsiteY15" fmla="*/ 1401288 h 3633849"/>
+              <a:gd name="connsiteX16" fmla="*/ 83835 w 202589"/>
+              <a:gd name="connsiteY16" fmla="*/ 1472540 h 3633849"/>
+              <a:gd name="connsiteX17" fmla="*/ 71960 w 202589"/>
+              <a:gd name="connsiteY17" fmla="*/ 1520041 h 3633849"/>
+              <a:gd name="connsiteX18" fmla="*/ 36334 w 202589"/>
+              <a:gd name="connsiteY18" fmla="*/ 1603169 h 3633849"/>
+              <a:gd name="connsiteX19" fmla="*/ 12583 w 202589"/>
+              <a:gd name="connsiteY19" fmla="*/ 1674421 h 3633849"/>
+              <a:gd name="connsiteX20" fmla="*/ 12583 w 202589"/>
+              <a:gd name="connsiteY20" fmla="*/ 1852551 h 3633849"/>
+              <a:gd name="connsiteX21" fmla="*/ 48209 w 202589"/>
+              <a:gd name="connsiteY21" fmla="*/ 1923802 h 3633849"/>
+              <a:gd name="connsiteX22" fmla="*/ 83835 w 202589"/>
+              <a:gd name="connsiteY22" fmla="*/ 1935678 h 3633849"/>
+              <a:gd name="connsiteX23" fmla="*/ 119461 w 202589"/>
+              <a:gd name="connsiteY23" fmla="*/ 1959428 h 3633849"/>
+              <a:gd name="connsiteX24" fmla="*/ 131337 w 202589"/>
+              <a:gd name="connsiteY24" fmla="*/ 1995054 h 3633849"/>
+              <a:gd name="connsiteX25" fmla="*/ 155087 w 202589"/>
+              <a:gd name="connsiteY25" fmla="*/ 2030680 h 3633849"/>
+              <a:gd name="connsiteX26" fmla="*/ 178838 w 202589"/>
+              <a:gd name="connsiteY26" fmla="*/ 2101932 h 3633849"/>
+              <a:gd name="connsiteX27" fmla="*/ 166963 w 202589"/>
+              <a:gd name="connsiteY27" fmla="*/ 2208810 h 3633849"/>
+              <a:gd name="connsiteX28" fmla="*/ 155087 w 202589"/>
+              <a:gd name="connsiteY28" fmla="*/ 2244436 h 3633849"/>
+              <a:gd name="connsiteX29" fmla="*/ 143212 w 202589"/>
+              <a:gd name="connsiteY29" fmla="*/ 2291938 h 3633849"/>
+              <a:gd name="connsiteX30" fmla="*/ 131337 w 202589"/>
+              <a:gd name="connsiteY30" fmla="*/ 2327563 h 3633849"/>
+              <a:gd name="connsiteX31" fmla="*/ 119461 w 202589"/>
+              <a:gd name="connsiteY31" fmla="*/ 2386940 h 3633849"/>
+              <a:gd name="connsiteX32" fmla="*/ 83835 w 202589"/>
+              <a:gd name="connsiteY32" fmla="*/ 2493818 h 3633849"/>
+              <a:gd name="connsiteX33" fmla="*/ 83835 w 202589"/>
+              <a:gd name="connsiteY33" fmla="*/ 2707574 h 3633849"/>
+              <a:gd name="connsiteX34" fmla="*/ 107586 w 202589"/>
+              <a:gd name="connsiteY34" fmla="*/ 2850078 h 3633849"/>
+              <a:gd name="connsiteX35" fmla="*/ 119461 w 202589"/>
+              <a:gd name="connsiteY35" fmla="*/ 2885704 h 3633849"/>
+              <a:gd name="connsiteX36" fmla="*/ 155087 w 202589"/>
+              <a:gd name="connsiteY36" fmla="*/ 2909454 h 3633849"/>
+              <a:gd name="connsiteX37" fmla="*/ 131337 w 202589"/>
+              <a:gd name="connsiteY37" fmla="*/ 3063834 h 3633849"/>
+              <a:gd name="connsiteX38" fmla="*/ 119461 w 202589"/>
+              <a:gd name="connsiteY38" fmla="*/ 3123210 h 3633849"/>
+              <a:gd name="connsiteX39" fmla="*/ 83835 w 202589"/>
+              <a:gd name="connsiteY39" fmla="*/ 3218213 h 3633849"/>
+              <a:gd name="connsiteX40" fmla="*/ 71960 w 202589"/>
+              <a:gd name="connsiteY40" fmla="*/ 3360717 h 3633849"/>
+              <a:gd name="connsiteX41" fmla="*/ 48209 w 202589"/>
+              <a:gd name="connsiteY41" fmla="*/ 3431969 h 3633849"/>
+              <a:gd name="connsiteX42" fmla="*/ 24459 w 202589"/>
+              <a:gd name="connsiteY42" fmla="*/ 3503221 h 3633849"/>
+              <a:gd name="connsiteX43" fmla="*/ 12583 w 202589"/>
+              <a:gd name="connsiteY43" fmla="*/ 3538847 h 3633849"/>
+              <a:gd name="connsiteX44" fmla="*/ 12583 w 202589"/>
+              <a:gd name="connsiteY44" fmla="*/ 3633849 h 3633849"/>
+            </a:gdLst>
+            <a:ahLst/>
+            <a:cxnLst>
+              <a:cxn ang="0">
+                <a:pos x="connsiteX0" y="connsiteY0"/>
+              </a:cxn>
+              <a:cxn ang="0">
+                <a:pos x="connsiteX1" y="connsiteY1"/>
+              </a:cxn>
+              <a:cxn ang="0">
+                <a:pos x="connsiteX2" y="connsiteY2"/>
+              </a:cxn>
+              <a:cxn ang="0">
+                <a:pos x="connsiteX3" y="connsiteY3"/>
+              </a:cxn>
+              <a:cxn ang="0">
+                <a:pos x="connsiteX4" y="connsiteY4"/>
+              </a:cxn>
+              <a:cxn ang="0">
+                <a:pos x="connsiteX5" y="connsiteY5"/>
+              </a:cxn>
+              <a:cxn ang="0">
+                <a:pos x="connsiteX6" y="connsiteY6"/>
+              </a:cxn>
+              <a:cxn ang="0">
+                <a:pos x="connsiteX7" y="connsiteY7"/>
+              </a:cxn>
+              <a:cxn ang="0">
+                <a:pos x="connsiteX8" y="connsiteY8"/>
+              </a:cxn>
+              <a:cxn ang="0">
+                <a:pos x="connsiteX9" y="connsiteY9"/>
+              </a:cxn>
+              <a:cxn ang="0">
+                <a:pos x="connsiteX10" y="connsiteY10"/>
+              </a:cxn>
+              <a:cxn ang="0">
+                <a:pos x="connsiteX11" y="connsiteY11"/>
+              </a:cxn>
+              <a:cxn ang="0">
+                <a:pos x="connsiteX12" y="connsiteY12"/>
+              </a:cxn>
+              <a:cxn ang="0">
+                <a:pos x="connsiteX13" y="connsiteY13"/>
+              </a:cxn>
+              <a:cxn ang="0">
+                <a:pos x="connsiteX14" y="connsiteY14"/>
+              </a:cxn>
+              <a:cxn ang="0">
+                <a:pos x="connsiteX15" y="connsiteY15"/>
+              </a:cxn>
+              <a:cxn ang="0">
+                <a:pos x="connsiteX16" y="connsiteY16"/>
+              </a:cxn>
+              <a:cxn ang="0">
+                <a:pos x="connsiteX17" y="connsiteY17"/>
+              </a:cxn>
+              <a:cxn ang="0">
+                <a:pos x="connsiteX18" y="connsiteY18"/>
+              </a:cxn>
+              <a:cxn ang="0">
+                <a:pos x="connsiteX19" y="connsiteY19"/>
+              </a:cxn>
+              <a:cxn ang="0">
+                <a:pos x="connsiteX20" y="connsiteY20"/>
+              </a:cxn>
+              <a:cxn ang="0">
+                <a:pos x="connsiteX21" y="connsiteY21"/>
+              </a:cxn>
+              <a:cxn ang="0">
+                <a:pos x="connsiteX22" y="connsiteY22"/>
+              </a:cxn>
+              <a:cxn ang="0">
+                <a:pos x="connsiteX23" y="connsiteY23"/>
+              </a:cxn>
+              <a:cxn ang="0">
+                <a:pos x="connsiteX24" y="connsiteY24"/>
+              </a:cxn>
+              <a:cxn ang="0">
+                <a:pos x="connsiteX25" y="connsiteY25"/>
+              </a:cxn>
+              <a:cxn ang="0">
+                <a:pos x="connsiteX26" y="connsiteY26"/>
+              </a:cxn>
+              <a:cxn ang="0">
+                <a:pos x="connsiteX27" y="connsiteY27"/>
+              </a:cxn>
+              <a:cxn ang="0">
+                <a:pos x="connsiteX28" y="connsiteY28"/>
+              </a:cxn>
+              <a:cxn ang="0">
+                <a:pos x="connsiteX29" y="connsiteY29"/>
+              </a:cxn>
+              <a:cxn ang="0">
+                <a:pos x="connsiteX30" y="connsiteY30"/>
+              </a:cxn>
+              <a:cxn ang="0">
+                <a:pos x="connsiteX31" y="connsiteY31"/>
+              </a:cxn>
+              <a:cxn ang="0">
+                <a:pos x="connsiteX32" y="connsiteY32"/>
+              </a:cxn>
+              <a:cxn ang="0">
+                <a:pos x="connsiteX33" y="connsiteY33"/>
+              </a:cxn>
+              <a:cxn ang="0">
+                <a:pos x="connsiteX34" y="connsiteY34"/>
+              </a:cxn>
+              <a:cxn ang="0">
+                <a:pos x="connsiteX35" y="connsiteY35"/>
+              </a:cxn>
+              <a:cxn ang="0">
+                <a:pos x="connsiteX36" y="connsiteY36"/>
+              </a:cxn>
+              <a:cxn ang="0">
+                <a:pos x="connsiteX37" y="connsiteY37"/>
+              </a:cxn>
+              <a:cxn ang="0">
+                <a:pos x="connsiteX38" y="connsiteY38"/>
+              </a:cxn>
+              <a:cxn ang="0">
+                <a:pos x="connsiteX39" y="connsiteY39"/>
+              </a:cxn>
+              <a:cxn ang="0">
+                <a:pos x="connsiteX40" y="connsiteY40"/>
+              </a:cxn>
+              <a:cxn ang="0">
+                <a:pos x="connsiteX41" y="connsiteY41"/>
+              </a:cxn>
+              <a:cxn ang="0">
+                <a:pos x="connsiteX42" y="connsiteY42"/>
+              </a:cxn>
+              <a:cxn ang="0">
+                <a:pos x="connsiteX43" y="connsiteY43"/>
+              </a:cxn>
+              <a:cxn ang="0">
+                <a:pos x="connsiteX44" y="connsiteY44"/>
+              </a:cxn>
+            </a:cxnLst>
+            <a:rect l="l" t="t" r="r" b="b"/>
+            <a:pathLst>
+              <a:path w="202589" h="3633849">
+                <a:moveTo>
+                  <a:pt x="202589" y="0"/>
+                </a:moveTo>
+                <a:cubicBezTo>
+                  <a:pt x="178838" y="39584"/>
+                  <a:pt x="149743" y="76418"/>
+                  <a:pt x="131337" y="118753"/>
+                </a:cubicBezTo>
+                <a:cubicBezTo>
+                  <a:pt x="109869" y="168129"/>
+                  <a:pt x="101621" y="222314"/>
+                  <a:pt x="83835" y="273132"/>
+                </a:cubicBezTo>
+                <a:cubicBezTo>
+                  <a:pt x="73876" y="301586"/>
+                  <a:pt x="60084" y="328551"/>
+                  <a:pt x="48209" y="356260"/>
+                </a:cubicBezTo>
+                <a:cubicBezTo>
+                  <a:pt x="44251" y="383969"/>
+                  <a:pt x="41823" y="411940"/>
+                  <a:pt x="36334" y="439387"/>
+                </a:cubicBezTo>
+                <a:cubicBezTo>
+                  <a:pt x="33879" y="451662"/>
+                  <a:pt x="26914" y="462738"/>
+                  <a:pt x="24459" y="475013"/>
+                </a:cubicBezTo>
+                <a:cubicBezTo>
+                  <a:pt x="18970" y="502460"/>
+                  <a:pt x="16542" y="530431"/>
+                  <a:pt x="12583" y="558140"/>
+                </a:cubicBezTo>
+                <a:cubicBezTo>
+                  <a:pt x="16542" y="589808"/>
+                  <a:pt x="16719" y="622182"/>
+                  <a:pt x="24459" y="653143"/>
+                </a:cubicBezTo>
+                <a:cubicBezTo>
+                  <a:pt x="28752" y="670317"/>
+                  <a:pt x="41993" y="684069"/>
+                  <a:pt x="48209" y="700644"/>
+                </a:cubicBezTo>
+                <a:cubicBezTo>
+                  <a:pt x="84570" y="797606"/>
+                  <a:pt x="19544" y="702683"/>
+                  <a:pt x="95711" y="855023"/>
+                </a:cubicBezTo>
+                <a:cubicBezTo>
+                  <a:pt x="103628" y="870857"/>
+                  <a:pt x="113863" y="885731"/>
+                  <a:pt x="119461" y="902525"/>
+                </a:cubicBezTo>
+                <a:cubicBezTo>
+                  <a:pt x="129783" y="933492"/>
+                  <a:pt x="132890" y="966560"/>
+                  <a:pt x="143212" y="997527"/>
+                </a:cubicBezTo>
+                <a:cubicBezTo>
+                  <a:pt x="151129" y="1021278"/>
+                  <a:pt x="160891" y="1044491"/>
+                  <a:pt x="166963" y="1068779"/>
+                </a:cubicBezTo>
+                <a:cubicBezTo>
+                  <a:pt x="176754" y="1107942"/>
+                  <a:pt x="190713" y="1187532"/>
+                  <a:pt x="190713" y="1187532"/>
+                </a:cubicBezTo>
+                <a:cubicBezTo>
+                  <a:pt x="188533" y="1207149"/>
+                  <a:pt x="186304" y="1295222"/>
+                  <a:pt x="166963" y="1330036"/>
+                </a:cubicBezTo>
+                <a:cubicBezTo>
+                  <a:pt x="153100" y="1354989"/>
+                  <a:pt x="119461" y="1401288"/>
+                  <a:pt x="119461" y="1401288"/>
+                </a:cubicBezTo>
+                <a:cubicBezTo>
+                  <a:pt x="69426" y="1551397"/>
+                  <a:pt x="152893" y="1311405"/>
+                  <a:pt x="83835" y="1472540"/>
+                </a:cubicBezTo>
+                <a:cubicBezTo>
+                  <a:pt x="77406" y="1487541"/>
+                  <a:pt x="77538" y="1504703"/>
+                  <a:pt x="71960" y="1520041"/>
+                </a:cubicBezTo>
+                <a:cubicBezTo>
+                  <a:pt x="61658" y="1548373"/>
+                  <a:pt x="47156" y="1575032"/>
+                  <a:pt x="36334" y="1603169"/>
+                </a:cubicBezTo>
+                <a:cubicBezTo>
+                  <a:pt x="27347" y="1626536"/>
+                  <a:pt x="20500" y="1650670"/>
+                  <a:pt x="12583" y="1674421"/>
+                </a:cubicBezTo>
+                <a:cubicBezTo>
+                  <a:pt x="-2744" y="1766384"/>
+                  <a:pt x="-5585" y="1743546"/>
+                  <a:pt x="12583" y="1852551"/>
+                </a:cubicBezTo>
+                <a:cubicBezTo>
+                  <a:pt x="15892" y="1872407"/>
+                  <a:pt x="32430" y="1911178"/>
+                  <a:pt x="48209" y="1923802"/>
+                </a:cubicBezTo>
+                <a:cubicBezTo>
+                  <a:pt x="57984" y="1931622"/>
+                  <a:pt x="72639" y="1930080"/>
+                  <a:pt x="83835" y="1935678"/>
+                </a:cubicBezTo>
+                <a:cubicBezTo>
+                  <a:pt x="96600" y="1942061"/>
+                  <a:pt x="107586" y="1951511"/>
+                  <a:pt x="119461" y="1959428"/>
+                </a:cubicBezTo>
+                <a:cubicBezTo>
+                  <a:pt x="123420" y="1971303"/>
+                  <a:pt x="125739" y="1983858"/>
+                  <a:pt x="131337" y="1995054"/>
+                </a:cubicBezTo>
+                <a:cubicBezTo>
+                  <a:pt x="137720" y="2007819"/>
+                  <a:pt x="149291" y="2017638"/>
+                  <a:pt x="155087" y="2030680"/>
+                </a:cubicBezTo>
+                <a:cubicBezTo>
+                  <a:pt x="165255" y="2053558"/>
+                  <a:pt x="178838" y="2101932"/>
+                  <a:pt x="178838" y="2101932"/>
+                </a:cubicBezTo>
+                <a:cubicBezTo>
+                  <a:pt x="174880" y="2137558"/>
+                  <a:pt x="172856" y="2173452"/>
+                  <a:pt x="166963" y="2208810"/>
+                </a:cubicBezTo>
+                <a:cubicBezTo>
+                  <a:pt x="164905" y="2221157"/>
+                  <a:pt x="158526" y="2232400"/>
+                  <a:pt x="155087" y="2244436"/>
+                </a:cubicBezTo>
+                <a:cubicBezTo>
+                  <a:pt x="150603" y="2260129"/>
+                  <a:pt x="147696" y="2276245"/>
+                  <a:pt x="143212" y="2291938"/>
+                </a:cubicBezTo>
+                <a:cubicBezTo>
+                  <a:pt x="139773" y="2303974"/>
+                  <a:pt x="134373" y="2315419"/>
+                  <a:pt x="131337" y="2327563"/>
+                </a:cubicBezTo>
+                <a:cubicBezTo>
+                  <a:pt x="126441" y="2347145"/>
+                  <a:pt x="125006" y="2367532"/>
+                  <a:pt x="119461" y="2386940"/>
+                </a:cubicBezTo>
+                <a:cubicBezTo>
+                  <a:pt x="109144" y="2423048"/>
+                  <a:pt x="83835" y="2493818"/>
+                  <a:pt x="83835" y="2493818"/>
+                </a:cubicBezTo>
+                <a:cubicBezTo>
+                  <a:pt x="69981" y="2618507"/>
+                  <a:pt x="66022" y="2582885"/>
+                  <a:pt x="83835" y="2707574"/>
+                </a:cubicBezTo>
+                <a:cubicBezTo>
+                  <a:pt x="90645" y="2755247"/>
+                  <a:pt x="98142" y="2802857"/>
+                  <a:pt x="107586" y="2850078"/>
+                </a:cubicBezTo>
+                <a:cubicBezTo>
+                  <a:pt x="110041" y="2862353"/>
+                  <a:pt x="111641" y="2875929"/>
+                  <a:pt x="119461" y="2885704"/>
+                </a:cubicBezTo>
+                <a:cubicBezTo>
+                  <a:pt x="128377" y="2896849"/>
+                  <a:pt x="143212" y="2901537"/>
+                  <a:pt x="155087" y="2909454"/>
+                </a:cubicBezTo>
+                <a:cubicBezTo>
+                  <a:pt x="129016" y="3170169"/>
+                  <a:pt x="159867" y="2949718"/>
+                  <a:pt x="131337" y="3063834"/>
+                </a:cubicBezTo>
+                <a:cubicBezTo>
+                  <a:pt x="126442" y="3083415"/>
+                  <a:pt x="125844" y="3104062"/>
+                  <a:pt x="119461" y="3123210"/>
+                </a:cubicBezTo>
+                <a:cubicBezTo>
+                  <a:pt x="57358" y="3309518"/>
+                  <a:pt x="128635" y="3039025"/>
+                  <a:pt x="83835" y="3218213"/>
+                </a:cubicBezTo>
+                <a:cubicBezTo>
+                  <a:pt x="79877" y="3265714"/>
+                  <a:pt x="79796" y="3313700"/>
+                  <a:pt x="71960" y="3360717"/>
+                </a:cubicBezTo>
+                <a:cubicBezTo>
+                  <a:pt x="67844" y="3385412"/>
+                  <a:pt x="56126" y="3408218"/>
+                  <a:pt x="48209" y="3431969"/>
+                </a:cubicBezTo>
+                <a:lnTo>
+                  <a:pt x="24459" y="3503221"/>
+                </a:lnTo>
+                <a:cubicBezTo>
+                  <a:pt x="20500" y="3515096"/>
+                  <a:pt x="12583" y="3526329"/>
+                  <a:pt x="12583" y="3538847"/>
+                </a:cubicBezTo>
+                <a:lnTo>
+                  <a:pt x="12583" y="3633849"/>
+                </a:lnTo>
+              </a:path>
+            </a:pathLst>
+          </a:custGeom>
+          <a:noFill/>
+          <a:ln>
+            <a:solidFill>
+              <a:schemeClr val="tx1"/>
+            </a:solidFill>
+          </a:ln>
+        </p:spPr>
+        <p:style>
+          <a:lnRef idx="2">
+            <a:schemeClr val="accent1">
+              <a:shade val="50000"/>
+            </a:schemeClr>
+          </a:lnRef>
+          <a:fillRef idx="1">
+            <a:schemeClr val="accent1"/>
+          </a:fillRef>
+          <a:effectRef idx="0">
+            <a:schemeClr val="accent1"/>
+          </a:effectRef>
+          <a:fontRef idx="minor">
+            <a:schemeClr val="lt1"/>
+          </a:fontRef>
+        </p:style>
+        <p:txBody>
+          <a:bodyPr rtlCol="0" anchor="ctr"/>
+          <a:lstStyle/>
+          <a:p>
+            <a:pPr algn="ctr"/>
+            <a:endParaRPr kumimoji="1" lang="ja-JP" altLang="en-US"/>
+          </a:p>
+        </p:txBody>
+      </p:sp>
+      <p:sp>
+        <p:nvSpPr>
+          <p:cNvPr id="10" name="フリーフォーム 9"/>
+          <p:cNvSpPr/>
+          <p:nvPr/>
+        </p:nvSpPr>
+        <p:spPr>
+          <a:xfrm>
+            <a:off x="1815242" y="1638795"/>
+            <a:ext cx="227908" cy="3871356"/>
+          </a:xfrm>
+          <a:custGeom>
+            <a:avLst/>
+            <a:gdLst>
+              <a:gd name="connsiteX0" fmla="*/ 85404 w 227908"/>
+              <a:gd name="connsiteY0" fmla="*/ 0 h 3871356"/>
+              <a:gd name="connsiteX1" fmla="*/ 73528 w 227908"/>
+              <a:gd name="connsiteY1" fmla="*/ 95002 h 3871356"/>
+              <a:gd name="connsiteX2" fmla="*/ 49778 w 227908"/>
+              <a:gd name="connsiteY2" fmla="*/ 166254 h 3871356"/>
+              <a:gd name="connsiteX3" fmla="*/ 49778 w 227908"/>
+              <a:gd name="connsiteY3" fmla="*/ 415636 h 3871356"/>
+              <a:gd name="connsiteX4" fmla="*/ 121030 w 227908"/>
+              <a:gd name="connsiteY4" fmla="*/ 475013 h 3871356"/>
+              <a:gd name="connsiteX5" fmla="*/ 132905 w 227908"/>
+              <a:gd name="connsiteY5" fmla="*/ 510639 h 3871356"/>
+              <a:gd name="connsiteX6" fmla="*/ 132905 w 227908"/>
+              <a:gd name="connsiteY6" fmla="*/ 855023 h 3871356"/>
+              <a:gd name="connsiteX7" fmla="*/ 121030 w 227908"/>
+              <a:gd name="connsiteY7" fmla="*/ 1056904 h 3871356"/>
+              <a:gd name="connsiteX8" fmla="*/ 97279 w 227908"/>
+              <a:gd name="connsiteY8" fmla="*/ 1246909 h 3871356"/>
+              <a:gd name="connsiteX9" fmla="*/ 85404 w 227908"/>
+              <a:gd name="connsiteY9" fmla="*/ 1282535 h 3871356"/>
+              <a:gd name="connsiteX10" fmla="*/ 97279 w 227908"/>
+              <a:gd name="connsiteY10" fmla="*/ 1531917 h 3871356"/>
+              <a:gd name="connsiteX11" fmla="*/ 121030 w 227908"/>
+              <a:gd name="connsiteY11" fmla="*/ 1567543 h 3871356"/>
+              <a:gd name="connsiteX12" fmla="*/ 192282 w 227908"/>
+              <a:gd name="connsiteY12" fmla="*/ 1650670 h 3871356"/>
+              <a:gd name="connsiteX13" fmla="*/ 216032 w 227908"/>
+              <a:gd name="connsiteY13" fmla="*/ 1745673 h 3871356"/>
+              <a:gd name="connsiteX14" fmla="*/ 227908 w 227908"/>
+              <a:gd name="connsiteY14" fmla="*/ 1793174 h 3871356"/>
+              <a:gd name="connsiteX15" fmla="*/ 204157 w 227908"/>
+              <a:gd name="connsiteY15" fmla="*/ 1935678 h 3871356"/>
+              <a:gd name="connsiteX16" fmla="*/ 156656 w 227908"/>
+              <a:gd name="connsiteY16" fmla="*/ 2042556 h 3871356"/>
+              <a:gd name="connsiteX17" fmla="*/ 132905 w 227908"/>
+              <a:gd name="connsiteY17" fmla="*/ 2078182 h 3871356"/>
+              <a:gd name="connsiteX18" fmla="*/ 109154 w 227908"/>
+              <a:gd name="connsiteY18" fmla="*/ 2137558 h 3871356"/>
+              <a:gd name="connsiteX19" fmla="*/ 97279 w 227908"/>
+              <a:gd name="connsiteY19" fmla="*/ 2185060 h 3871356"/>
+              <a:gd name="connsiteX20" fmla="*/ 61653 w 227908"/>
+              <a:gd name="connsiteY20" fmla="*/ 2244436 h 3871356"/>
+              <a:gd name="connsiteX21" fmla="*/ 37902 w 227908"/>
+              <a:gd name="connsiteY21" fmla="*/ 2327563 h 3871356"/>
+              <a:gd name="connsiteX22" fmla="*/ 14152 w 227908"/>
+              <a:gd name="connsiteY22" fmla="*/ 2386940 h 3871356"/>
+              <a:gd name="connsiteX23" fmla="*/ 2276 w 227908"/>
+              <a:gd name="connsiteY23" fmla="*/ 2458192 h 3871356"/>
+              <a:gd name="connsiteX24" fmla="*/ 26027 w 227908"/>
+              <a:gd name="connsiteY24" fmla="*/ 2600696 h 3871356"/>
+              <a:gd name="connsiteX25" fmla="*/ 37902 w 227908"/>
+              <a:gd name="connsiteY25" fmla="*/ 2636322 h 3871356"/>
+              <a:gd name="connsiteX26" fmla="*/ 49778 w 227908"/>
+              <a:gd name="connsiteY26" fmla="*/ 2707574 h 3871356"/>
+              <a:gd name="connsiteX27" fmla="*/ 2276 w 227908"/>
+              <a:gd name="connsiteY27" fmla="*/ 3075709 h 3871356"/>
+              <a:gd name="connsiteX28" fmla="*/ 14152 w 227908"/>
+              <a:gd name="connsiteY28" fmla="*/ 3657600 h 3871356"/>
+              <a:gd name="connsiteX29" fmla="*/ 26027 w 227908"/>
+              <a:gd name="connsiteY29" fmla="*/ 3705101 h 3871356"/>
+              <a:gd name="connsiteX30" fmla="*/ 26027 w 227908"/>
+              <a:gd name="connsiteY30" fmla="*/ 3871356 h 3871356"/>
+            </a:gdLst>
+            <a:ahLst/>
+            <a:cxnLst>
+              <a:cxn ang="0">
+                <a:pos x="connsiteX0" y="connsiteY0"/>
+              </a:cxn>
+              <a:cxn ang="0">
+                <a:pos x="connsiteX1" y="connsiteY1"/>
+              </a:cxn>
+              <a:cxn ang="0">
+                <a:pos x="connsiteX2" y="connsiteY2"/>
+              </a:cxn>
+              <a:cxn ang="0">
+                <a:pos x="connsiteX3" y="connsiteY3"/>
+              </a:cxn>
+              <a:cxn ang="0">
+                <a:pos x="connsiteX4" y="connsiteY4"/>
+              </a:cxn>
+              <a:cxn ang="0">
+                <a:pos x="connsiteX5" y="connsiteY5"/>
+              </a:cxn>
+              <a:cxn ang="0">
+                <a:pos x="connsiteX6" y="connsiteY6"/>
+              </a:cxn>
+              <a:cxn ang="0">
+                <a:pos x="connsiteX7" y="connsiteY7"/>
+              </a:cxn>
+              <a:cxn ang="0">
+                <a:pos x="connsiteX8" y="connsiteY8"/>
+              </a:cxn>
+              <a:cxn ang="0">
+                <a:pos x="connsiteX9" y="connsiteY9"/>
+              </a:cxn>
+              <a:cxn ang="0">
+                <a:pos x="connsiteX10" y="connsiteY10"/>
+              </a:cxn>
+              <a:cxn ang="0">
+                <a:pos x="connsiteX11" y="connsiteY11"/>
+              </a:cxn>
+              <a:cxn ang="0">
+                <a:pos x="connsiteX12" y="connsiteY12"/>
+              </a:cxn>
+              <a:cxn ang="0">
+                <a:pos x="connsiteX13" y="connsiteY13"/>
+              </a:cxn>
+              <a:cxn ang="0">
+                <a:pos x="connsiteX14" y="connsiteY14"/>
+              </a:cxn>
+              <a:cxn ang="0">
+                <a:pos x="connsiteX15" y="connsiteY15"/>
+              </a:cxn>
+              <a:cxn ang="0">
+                <a:pos x="connsiteX16" y="connsiteY16"/>
+              </a:cxn>
+              <a:cxn ang="0">
+                <a:pos x="connsiteX17" y="connsiteY17"/>
+              </a:cxn>
+              <a:cxn ang="0">
+                <a:pos x="connsiteX18" y="connsiteY18"/>
+              </a:cxn>
+              <a:cxn ang="0">
+                <a:pos x="connsiteX19" y="connsiteY19"/>
+              </a:cxn>
+              <a:cxn ang="0">
+                <a:pos x="connsiteX20" y="connsiteY20"/>
+              </a:cxn>
+              <a:cxn ang="0">
+                <a:pos x="connsiteX21" y="connsiteY21"/>
+              </a:cxn>
+              <a:cxn ang="0">
+                <a:pos x="connsiteX22" y="connsiteY22"/>
+              </a:cxn>
+              <a:cxn ang="0">
+                <a:pos x="connsiteX23" y="connsiteY23"/>
+              </a:cxn>
+              <a:cxn ang="0">
+                <a:pos x="connsiteX24" y="connsiteY24"/>
+              </a:cxn>
+              <a:cxn ang="0">
+                <a:pos x="connsiteX25" y="connsiteY25"/>
+              </a:cxn>
+              <a:cxn ang="0">
+                <a:pos x="connsiteX26" y="connsiteY26"/>
+              </a:cxn>
+              <a:cxn ang="0">
+                <a:pos x="connsiteX27" y="connsiteY27"/>
+              </a:cxn>
+              <a:cxn ang="0">
+                <a:pos x="connsiteX28" y="connsiteY28"/>
+              </a:cxn>
+              <a:cxn ang="0">
+                <a:pos x="connsiteX29" y="connsiteY29"/>
+              </a:cxn>
+              <a:cxn ang="0">
+                <a:pos x="connsiteX30" y="connsiteY30"/>
+              </a:cxn>
+            </a:cxnLst>
+            <a:rect l="l" t="t" r="r" b="b"/>
+            <a:pathLst>
+              <a:path w="227908" h="3871356">
+                <a:moveTo>
+                  <a:pt x="85404" y="0"/>
+                </a:moveTo>
+                <a:cubicBezTo>
+                  <a:pt x="81445" y="31667"/>
+                  <a:pt x="80215" y="63797"/>
+                  <a:pt x="73528" y="95002"/>
+                </a:cubicBezTo>
+                <a:cubicBezTo>
+                  <a:pt x="68282" y="119482"/>
+                  <a:pt x="49778" y="166254"/>
+                  <a:pt x="49778" y="166254"/>
+                </a:cubicBezTo>
+                <a:cubicBezTo>
+                  <a:pt x="44042" y="235085"/>
+                  <a:pt x="25782" y="343649"/>
+                  <a:pt x="49778" y="415636"/>
+                </a:cubicBezTo>
+                <a:cubicBezTo>
+                  <a:pt x="56309" y="435229"/>
+                  <a:pt x="104733" y="464148"/>
+                  <a:pt x="121030" y="475013"/>
+                </a:cubicBezTo>
+                <a:cubicBezTo>
+                  <a:pt x="124988" y="486888"/>
+                  <a:pt x="130666" y="498323"/>
+                  <a:pt x="132905" y="510639"/>
+                </a:cubicBezTo>
+                <a:cubicBezTo>
+                  <a:pt x="156948" y="642878"/>
+                  <a:pt x="141485" y="692002"/>
+                  <a:pt x="132905" y="855023"/>
+                </a:cubicBezTo>
+                <a:cubicBezTo>
+                  <a:pt x="129362" y="922340"/>
+                  <a:pt x="126010" y="989678"/>
+                  <a:pt x="121030" y="1056904"/>
+                </a:cubicBezTo>
+                <a:cubicBezTo>
+                  <a:pt x="117380" y="1106176"/>
+                  <a:pt x="109265" y="1192972"/>
+                  <a:pt x="97279" y="1246909"/>
+                </a:cubicBezTo>
+                <a:cubicBezTo>
+                  <a:pt x="94564" y="1259129"/>
+                  <a:pt x="89362" y="1270660"/>
+                  <a:pt x="85404" y="1282535"/>
+                </a:cubicBezTo>
+                <a:cubicBezTo>
+                  <a:pt x="89362" y="1365662"/>
+                  <a:pt x="86957" y="1449338"/>
+                  <a:pt x="97279" y="1531917"/>
+                </a:cubicBezTo>
+                <a:cubicBezTo>
+                  <a:pt x="99049" y="1546079"/>
+                  <a:pt x="111893" y="1556579"/>
+                  <a:pt x="121030" y="1567543"/>
+                </a:cubicBezTo>
+                <a:cubicBezTo>
+                  <a:pt x="245082" y="1716404"/>
+                  <a:pt x="58862" y="1472778"/>
+                  <a:pt x="192282" y="1650670"/>
+                </a:cubicBezTo>
+                <a:lnTo>
+                  <a:pt x="216032" y="1745673"/>
+                </a:lnTo>
+                <a:lnTo>
+                  <a:pt x="227908" y="1793174"/>
+                </a:lnTo>
+                <a:cubicBezTo>
+                  <a:pt x="219991" y="1840675"/>
+                  <a:pt x="213601" y="1888457"/>
+                  <a:pt x="204157" y="1935678"/>
+                </a:cubicBezTo>
+                <a:cubicBezTo>
+                  <a:pt x="197769" y="1967618"/>
+                  <a:pt x="168428" y="2021367"/>
+                  <a:pt x="156656" y="2042556"/>
+                </a:cubicBezTo>
+                <a:cubicBezTo>
+                  <a:pt x="149725" y="2055032"/>
+                  <a:pt x="139288" y="2065416"/>
+                  <a:pt x="132905" y="2078182"/>
+                </a:cubicBezTo>
+                <a:cubicBezTo>
+                  <a:pt x="123372" y="2097248"/>
+                  <a:pt x="115895" y="2117335"/>
+                  <a:pt x="109154" y="2137558"/>
+                </a:cubicBezTo>
+                <a:cubicBezTo>
+                  <a:pt x="103993" y="2153042"/>
+                  <a:pt x="103908" y="2170145"/>
+                  <a:pt x="97279" y="2185060"/>
+                </a:cubicBezTo>
+                <a:cubicBezTo>
+                  <a:pt x="87905" y="2206152"/>
+                  <a:pt x="71975" y="2223791"/>
+                  <a:pt x="61653" y="2244436"/>
+                </a:cubicBezTo>
+                <a:cubicBezTo>
+                  <a:pt x="50220" y="2267302"/>
+                  <a:pt x="45508" y="2304744"/>
+                  <a:pt x="37902" y="2327563"/>
+                </a:cubicBezTo>
+                <a:cubicBezTo>
+                  <a:pt x="31161" y="2347786"/>
+                  <a:pt x="22069" y="2367148"/>
+                  <a:pt x="14152" y="2386940"/>
+                </a:cubicBezTo>
+                <a:cubicBezTo>
+                  <a:pt x="10193" y="2410691"/>
+                  <a:pt x="2276" y="2434114"/>
+                  <a:pt x="2276" y="2458192"/>
+                </a:cubicBezTo>
+                <a:cubicBezTo>
+                  <a:pt x="2276" y="2478295"/>
+                  <a:pt x="19285" y="2573728"/>
+                  <a:pt x="26027" y="2600696"/>
+                </a:cubicBezTo>
+                <a:cubicBezTo>
+                  <a:pt x="29063" y="2612840"/>
+                  <a:pt x="35187" y="2624102"/>
+                  <a:pt x="37902" y="2636322"/>
+                </a:cubicBezTo>
+                <a:cubicBezTo>
+                  <a:pt x="43125" y="2659827"/>
+                  <a:pt x="45819" y="2683823"/>
+                  <a:pt x="49778" y="2707574"/>
+                </a:cubicBezTo>
+                <a:cubicBezTo>
+                  <a:pt x="33944" y="2830286"/>
+                  <a:pt x="6913" y="2952067"/>
+                  <a:pt x="2276" y="3075709"/>
+                </a:cubicBezTo>
+                <a:cubicBezTo>
+                  <a:pt x="-4994" y="3269577"/>
+                  <a:pt x="6836" y="3463734"/>
+                  <a:pt x="14152" y="3657600"/>
+                </a:cubicBezTo>
+                <a:cubicBezTo>
+                  <a:pt x="14767" y="3673909"/>
+                  <a:pt x="25122" y="3688805"/>
+                  <a:pt x="26027" y="3705101"/>
+                </a:cubicBezTo>
+                <a:cubicBezTo>
+                  <a:pt x="29101" y="3760434"/>
+                  <a:pt x="26027" y="3815938"/>
+                  <a:pt x="26027" y="3871356"/>
+                </a:cubicBezTo>
+              </a:path>
+            </a:pathLst>
+          </a:custGeom>
+          <a:noFill/>
+          <a:ln>
+            <a:solidFill>
+              <a:schemeClr val="tx1"/>
+            </a:solidFill>
+          </a:ln>
+        </p:spPr>
+        <p:style>
+          <a:lnRef idx="2">
+            <a:schemeClr val="accent1">
+              <a:shade val="50000"/>
+            </a:schemeClr>
+          </a:lnRef>
+          <a:fillRef idx="1">
+            <a:schemeClr val="accent1"/>
+          </a:fillRef>
+          <a:effectRef idx="0">
+            <a:schemeClr val="accent1"/>
+          </a:effectRef>
+          <a:fontRef idx="minor">
+            <a:schemeClr val="lt1"/>
+          </a:fontRef>
+        </p:style>
+        <p:txBody>
+          <a:bodyPr rtlCol="0" anchor="ctr"/>
+          <a:lstStyle/>
+          <a:p>
+            <a:pPr algn="ctr"/>
+            <a:endParaRPr kumimoji="1" lang="ja-JP" altLang="en-US"/>
+          </a:p>
+        </p:txBody>
+      </p:sp>
+      <p:sp>
+        <p:nvSpPr>
+          <p:cNvPr id="11" name="テキスト ボックス 10"/>
+          <p:cNvSpPr txBox="1"/>
+          <p:nvPr/>
+        </p:nvSpPr>
+        <p:spPr>
+          <a:xfrm>
+            <a:off x="4459180" y="5707292"/>
+            <a:ext cx="569387" cy="369332"/>
+          </a:xfrm>
+          <a:prstGeom prst="rect">
+            <a:avLst/>
+          </a:prstGeom>
+          <a:noFill/>
+        </p:spPr>
+        <p:txBody>
+          <a:bodyPr wrap="none" rtlCol="0">
+            <a:spAutoFit/>
+          </a:bodyPr>
+          <a:lstStyle/>
+          <a:p>
+            <a:r>
+              <a:rPr kumimoji="1" lang="en-US" altLang="ja-JP"/>
+              <a:t>120</a:t>
+            </a:r>
+            <a:endParaRPr kumimoji="1" lang="ja-JP" altLang="en-US"/>
+          </a:p>
+        </p:txBody>
+      </p:sp>
+      <p:sp>
+        <p:nvSpPr>
+          <p:cNvPr id="12" name="正方形/長方形 11"/>
+          <p:cNvSpPr/>
+          <p:nvPr/>
+        </p:nvSpPr>
+        <p:spPr>
+          <a:xfrm>
+            <a:off x="4968210" y="843141"/>
+            <a:ext cx="601317" cy="5533901"/>
+          </a:xfrm>
+          <a:prstGeom prst="rect">
+            <a:avLst/>
+          </a:prstGeom>
+          <a:solidFill>
+            <a:srgbClr val="00B0F0"/>
+          </a:solidFill>
+          <a:ln>
+            <a:solidFill>
+              <a:srgbClr val="00B0F0"/>
+            </a:solidFill>
+          </a:ln>
+        </p:spPr>
+        <p:style>
+          <a:lnRef idx="2">
+            <a:schemeClr val="accent1">
+              <a:shade val="50000"/>
+            </a:schemeClr>
+          </a:lnRef>
+          <a:fillRef idx="1">
+            <a:schemeClr val="accent1"/>
+          </a:fillRef>
+          <a:effectRef idx="0">
+            <a:schemeClr val="accent1"/>
+          </a:effectRef>
+          <a:fontRef idx="minor">
+            <a:schemeClr val="lt1"/>
+          </a:fontRef>
+        </p:style>
+        <p:txBody>
+          <a:bodyPr rtlCol="0" anchor="ctr"/>
+          <a:lstStyle/>
+          <a:p>
+            <a:pPr algn="ctr"/>
+            <a:endParaRPr kumimoji="1" lang="ja-JP" altLang="en-US"/>
+          </a:p>
+        </p:txBody>
+      </p:sp>
+      <p:sp>
+        <p:nvSpPr>
+          <p:cNvPr id="14" name="正方形/長方形 13"/>
+          <p:cNvSpPr/>
+          <p:nvPr/>
+        </p:nvSpPr>
+        <p:spPr>
+          <a:xfrm>
+            <a:off x="4373979" y="843146"/>
+            <a:ext cx="169504" cy="5533901"/>
+          </a:xfrm>
+          <a:prstGeom prst="rect">
+            <a:avLst/>
+          </a:prstGeom>
+          <a:solidFill>
+            <a:srgbClr val="00B0F0"/>
+          </a:solidFill>
+          <a:ln>
+            <a:noFill/>
+          </a:ln>
+        </p:spPr>
+        <p:style>
+          <a:lnRef idx="2">
+            <a:schemeClr val="accent1">
+              <a:shade val="50000"/>
+            </a:schemeClr>
+          </a:lnRef>
+          <a:fillRef idx="1">
+            <a:schemeClr val="accent1"/>
+          </a:fillRef>
+          <a:effectRef idx="0">
+            <a:schemeClr val="accent1"/>
+          </a:effectRef>
+          <a:fontRef idx="minor">
+            <a:schemeClr val="lt1"/>
+          </a:fontRef>
+        </p:style>
+        <p:txBody>
+          <a:bodyPr rtlCol="0" anchor="ctr"/>
+          <a:lstStyle/>
+          <a:p>
+            <a:pPr algn="ctr"/>
+            <a:endParaRPr kumimoji="1" lang="ja-JP" altLang="en-US"/>
+          </a:p>
+        </p:txBody>
+      </p:sp>
+      <p:sp>
+        <p:nvSpPr>
+          <p:cNvPr id="15" name="正方形/長方形 14"/>
+          <p:cNvSpPr/>
+          <p:nvPr/>
+        </p:nvSpPr>
+        <p:spPr>
+          <a:xfrm>
+            <a:off x="3820351" y="843145"/>
+            <a:ext cx="226357" cy="5533901"/>
+          </a:xfrm>
+          <a:prstGeom prst="rect">
+            <a:avLst/>
+          </a:prstGeom>
+          <a:solidFill>
+            <a:srgbClr val="00B0F0"/>
+          </a:solidFill>
+          <a:ln>
+            <a:noFill/>
+          </a:ln>
+        </p:spPr>
+        <p:style>
+          <a:lnRef idx="2">
+            <a:schemeClr val="accent1">
+              <a:shade val="50000"/>
+            </a:schemeClr>
+          </a:lnRef>
+          <a:fillRef idx="1">
+            <a:schemeClr val="accent1"/>
+          </a:fillRef>
+          <a:effectRef idx="0">
+            <a:schemeClr val="accent1"/>
+          </a:effectRef>
+          <a:fontRef idx="minor">
+            <a:schemeClr val="lt1"/>
+          </a:fontRef>
+        </p:style>
+        <p:txBody>
+          <a:bodyPr rtlCol="0" anchor="ctr"/>
+          <a:lstStyle/>
+          <a:p>
+            <a:pPr algn="ctr"/>
+            <a:endParaRPr kumimoji="1" lang="ja-JP" altLang="en-US"/>
+          </a:p>
+        </p:txBody>
+      </p:sp>
+      <p:sp>
+        <p:nvSpPr>
+          <p:cNvPr id="16" name="正方形/長方形 15"/>
+          <p:cNvSpPr/>
+          <p:nvPr/>
+        </p:nvSpPr>
+        <p:spPr>
+          <a:xfrm>
+            <a:off x="3266723" y="843144"/>
+            <a:ext cx="260308" cy="5533901"/>
+          </a:xfrm>
+          <a:prstGeom prst="rect">
+            <a:avLst/>
+          </a:prstGeom>
+          <a:solidFill>
+            <a:srgbClr val="00B0F0"/>
+          </a:solidFill>
+          <a:ln>
+            <a:noFill/>
+          </a:ln>
+        </p:spPr>
+        <p:style>
+          <a:lnRef idx="2">
+            <a:schemeClr val="accent1">
+              <a:shade val="50000"/>
+            </a:schemeClr>
+          </a:lnRef>
+          <a:fillRef idx="1">
+            <a:schemeClr val="accent1"/>
+          </a:fillRef>
+          <a:effectRef idx="0">
+            <a:schemeClr val="accent1"/>
+          </a:effectRef>
+          <a:fontRef idx="minor">
+            <a:schemeClr val="lt1"/>
+          </a:fontRef>
+        </p:style>
+        <p:txBody>
+          <a:bodyPr rtlCol="0" anchor="ctr"/>
+          <a:lstStyle/>
+          <a:p>
+            <a:pPr algn="ctr"/>
+            <a:endParaRPr kumimoji="1" lang="ja-JP" altLang="en-US"/>
+          </a:p>
+        </p:txBody>
+      </p:sp>
+      <p:sp>
+        <p:nvSpPr>
+          <p:cNvPr id="17" name="正方形/長方形 16"/>
+          <p:cNvSpPr/>
+          <p:nvPr/>
+        </p:nvSpPr>
+        <p:spPr>
+          <a:xfrm>
+            <a:off x="2676507" y="843143"/>
+            <a:ext cx="263520" cy="5533901"/>
+          </a:xfrm>
+          <a:prstGeom prst="rect">
+            <a:avLst/>
+          </a:prstGeom>
+          <a:solidFill>
+            <a:srgbClr val="00B0F0"/>
+          </a:solidFill>
+          <a:ln>
+            <a:noFill/>
+          </a:ln>
+        </p:spPr>
+        <p:style>
+          <a:lnRef idx="2">
+            <a:schemeClr val="accent1">
+              <a:shade val="50000"/>
+            </a:schemeClr>
+          </a:lnRef>
+          <a:fillRef idx="1">
+            <a:schemeClr val="accent1"/>
+          </a:fillRef>
+          <a:effectRef idx="0">
+            <a:schemeClr val="accent1"/>
+          </a:effectRef>
+          <a:fontRef idx="minor">
+            <a:schemeClr val="lt1"/>
+          </a:fontRef>
+        </p:style>
+        <p:txBody>
+          <a:bodyPr rtlCol="0" anchor="ctr"/>
+          <a:lstStyle/>
+          <a:p>
+            <a:pPr algn="ctr"/>
+            <a:endParaRPr kumimoji="1" lang="ja-JP" altLang="en-US"/>
+          </a:p>
+        </p:txBody>
+      </p:sp>
+      <p:sp>
+        <p:nvSpPr>
+          <p:cNvPr id="18" name="正方形/長方形 17"/>
+          <p:cNvSpPr/>
+          <p:nvPr/>
+        </p:nvSpPr>
+        <p:spPr>
+          <a:xfrm>
+            <a:off x="2086290" y="843142"/>
+            <a:ext cx="294195" cy="5533901"/>
+          </a:xfrm>
+          <a:prstGeom prst="rect">
+            <a:avLst/>
+          </a:prstGeom>
+          <a:solidFill>
+            <a:srgbClr val="00B0F0"/>
+          </a:solidFill>
+          <a:ln>
+            <a:noFill/>
+          </a:ln>
+        </p:spPr>
+        <p:style>
+          <a:lnRef idx="2">
+            <a:schemeClr val="accent1">
+              <a:shade val="50000"/>
+            </a:schemeClr>
+          </a:lnRef>
+          <a:fillRef idx="1">
+            <a:schemeClr val="accent1"/>
+          </a:fillRef>
+          <a:effectRef idx="0">
+            <a:schemeClr val="accent1"/>
+          </a:effectRef>
+          <a:fontRef idx="minor">
+            <a:schemeClr val="lt1"/>
+          </a:fontRef>
+        </p:style>
+        <p:txBody>
+          <a:bodyPr rtlCol="0" anchor="ctr"/>
+          <a:lstStyle/>
+          <a:p>
+            <a:pPr algn="ctr"/>
+            <a:endParaRPr kumimoji="1" lang="ja-JP" altLang="en-US"/>
+          </a:p>
+        </p:txBody>
+      </p:sp>
+      <p:sp>
+        <p:nvSpPr>
+          <p:cNvPr id="19" name="正方形/長方形 18"/>
+          <p:cNvSpPr/>
+          <p:nvPr/>
+        </p:nvSpPr>
+        <p:spPr>
+          <a:xfrm>
+            <a:off x="1223159" y="843141"/>
+            <a:ext cx="536436" cy="5533901"/>
+          </a:xfrm>
+          <a:prstGeom prst="rect">
+            <a:avLst/>
+          </a:prstGeom>
+          <a:solidFill>
+            <a:srgbClr val="00B0F0"/>
+          </a:solidFill>
+          <a:ln>
+            <a:noFill/>
+          </a:ln>
+        </p:spPr>
+        <p:style>
+          <a:lnRef idx="2">
+            <a:schemeClr val="accent1">
+              <a:shade val="50000"/>
+            </a:schemeClr>
+          </a:lnRef>
+          <a:fillRef idx="1">
+            <a:schemeClr val="accent1"/>
+          </a:fillRef>
+          <a:effectRef idx="0">
+            <a:schemeClr val="accent1"/>
+          </a:effectRef>
+          <a:fontRef idx="minor">
+            <a:schemeClr val="lt1"/>
+          </a:fontRef>
+        </p:style>
+        <p:txBody>
+          <a:bodyPr rtlCol="0" anchor="ctr"/>
+          <a:lstStyle/>
+          <a:p>
+            <a:pPr algn="ctr"/>
+            <a:endParaRPr kumimoji="1" lang="ja-JP" altLang="en-US"/>
+          </a:p>
+        </p:txBody>
+      </p:sp>
+      <p:sp>
+        <p:nvSpPr>
+          <p:cNvPr id="20" name="正方形/長方形 19"/>
+          <p:cNvSpPr/>
+          <p:nvPr/>
+        </p:nvSpPr>
+        <p:spPr>
+          <a:xfrm>
+            <a:off x="1223159" y="843141"/>
+            <a:ext cx="4346368" cy="581899"/>
+          </a:xfrm>
+          <a:prstGeom prst="rect">
+            <a:avLst/>
+          </a:prstGeom>
+          <a:solidFill>
+            <a:srgbClr val="FF0000"/>
+          </a:solidFill>
+          <a:ln>
+            <a:noFill/>
+          </a:ln>
+        </p:spPr>
+        <p:style>
+          <a:lnRef idx="2">
+            <a:schemeClr val="accent1">
+              <a:shade val="50000"/>
+            </a:schemeClr>
+          </a:lnRef>
+          <a:fillRef idx="1">
+            <a:schemeClr val="accent1"/>
+          </a:fillRef>
+          <a:effectRef idx="0">
+            <a:schemeClr val="accent1"/>
+          </a:effectRef>
+          <a:fontRef idx="minor">
+            <a:schemeClr val="lt1"/>
+          </a:fontRef>
+        </p:style>
+        <p:txBody>
+          <a:bodyPr rtlCol="0" anchor="ctr"/>
+          <a:lstStyle/>
+          <a:p>
+            <a:pPr algn="ctr"/>
+            <a:endParaRPr kumimoji="1" lang="ja-JP" altLang="en-US"/>
+          </a:p>
+        </p:txBody>
+      </p:sp>
+      <p:sp>
+        <p:nvSpPr>
+          <p:cNvPr id="21" name="正方形/長方形 20"/>
+          <p:cNvSpPr/>
+          <p:nvPr/>
+        </p:nvSpPr>
+        <p:spPr>
+          <a:xfrm>
+            <a:off x="1223159" y="5552018"/>
+            <a:ext cx="4346368" cy="207821"/>
+          </a:xfrm>
+          <a:prstGeom prst="rect">
+            <a:avLst/>
+          </a:prstGeom>
+          <a:solidFill>
+            <a:srgbClr val="FF0000"/>
+          </a:solidFill>
+          <a:ln>
+            <a:noFill/>
+          </a:ln>
+        </p:spPr>
+        <p:style>
+          <a:lnRef idx="2">
+            <a:schemeClr val="accent1">
+              <a:shade val="50000"/>
+            </a:schemeClr>
+          </a:lnRef>
+          <a:fillRef idx="1">
+            <a:schemeClr val="accent1"/>
+          </a:fillRef>
+          <a:effectRef idx="0">
+            <a:schemeClr val="accent1"/>
+          </a:effectRef>
+          <a:fontRef idx="minor">
+            <a:schemeClr val="lt1"/>
+          </a:fontRef>
+        </p:style>
+        <p:txBody>
+          <a:bodyPr rtlCol="0" anchor="ctr"/>
+          <a:lstStyle/>
+          <a:p>
+            <a:pPr algn="ctr"/>
+            <a:endParaRPr kumimoji="1" lang="ja-JP" altLang="en-US"/>
+          </a:p>
+        </p:txBody>
+      </p:sp>
+      <p:sp>
+        <p:nvSpPr>
+          <p:cNvPr id="22" name="正方形/長方形 21"/>
+          <p:cNvSpPr/>
+          <p:nvPr/>
+        </p:nvSpPr>
+        <p:spPr>
+          <a:xfrm>
+            <a:off x="1223159" y="6015156"/>
+            <a:ext cx="4346368" cy="361894"/>
+          </a:xfrm>
+          <a:prstGeom prst="rect">
+            <a:avLst/>
+          </a:prstGeom>
+          <a:solidFill>
+            <a:srgbClr val="FF0000"/>
+          </a:solidFill>
+          <a:ln>
+            <a:noFill/>
+          </a:ln>
+        </p:spPr>
+        <p:style>
+          <a:lnRef idx="2">
+            <a:schemeClr val="accent1">
+              <a:shade val="50000"/>
+            </a:schemeClr>
+          </a:lnRef>
+          <a:fillRef idx="1">
+            <a:schemeClr val="accent1"/>
+          </a:fillRef>
+          <a:effectRef idx="0">
+            <a:schemeClr val="accent1"/>
+          </a:effectRef>
+          <a:fontRef idx="minor">
+            <a:schemeClr val="lt1"/>
+          </a:fontRef>
+        </p:style>
+        <p:txBody>
+          <a:bodyPr rtlCol="0" anchor="ctr"/>
+          <a:lstStyle/>
+          <a:p>
+            <a:pPr algn="ctr"/>
+            <a:endParaRPr kumimoji="1" lang="ja-JP" altLang="en-US"/>
+          </a:p>
+        </p:txBody>
+      </p:sp>
+      <p:sp>
+        <p:nvSpPr>
+          <p:cNvPr id="13" name="正方形/長方形 12"/>
+          <p:cNvSpPr/>
+          <p:nvPr/>
+        </p:nvSpPr>
+        <p:spPr>
+          <a:xfrm>
+            <a:off x="1223158" y="843148"/>
+            <a:ext cx="4346369" cy="5533901"/>
+          </a:xfrm>
+          <a:prstGeom prst="rect">
+            <a:avLst/>
+          </a:prstGeom>
+          <a:noFill/>
+          <a:ln>
+            <a:solidFill>
+              <a:schemeClr val="tx1"/>
+            </a:solidFill>
+          </a:ln>
+        </p:spPr>
+        <p:style>
+          <a:lnRef idx="2">
+            <a:schemeClr val="accent1">
+              <a:shade val="50000"/>
+            </a:schemeClr>
+          </a:lnRef>
+          <a:fillRef idx="1">
+            <a:schemeClr val="accent1"/>
+          </a:fillRef>
+          <a:effectRef idx="0">
+            <a:schemeClr val="accent1"/>
+          </a:effectRef>
+          <a:fontRef idx="minor">
+            <a:schemeClr val="lt1"/>
+          </a:fontRef>
+        </p:style>
+        <p:txBody>
+          <a:bodyPr rtlCol="0" anchor="ctr"/>
+          <a:lstStyle/>
+          <a:p>
+            <a:pPr algn="ctr"/>
+            <a:endParaRPr kumimoji="1" lang="ja-JP" altLang="en-US"/>
+          </a:p>
+        </p:txBody>
+      </p:sp>
+      <p:pic>
+        <p:nvPicPr>
+          <p:cNvPr id="3" name="図 2"/>
+          <p:cNvPicPr>
+            <a:picLocks noChangeAspect="1"/>
+          </p:cNvPicPr>
+          <p:nvPr/>
+        </p:nvPicPr>
+        <p:blipFill>
+          <a:blip r:embed="rId2"/>
+          <a:stretch>
+            <a:fillRect/>
+          </a:stretch>
+        </p:blipFill>
+        <p:spPr>
+          <a:xfrm>
+            <a:off x="7056310" y="206375"/>
+            <a:ext cx="3228975" cy="309563"/>
+          </a:xfrm>
+          <a:prstGeom prst="rect">
+            <a:avLst/>
+          </a:prstGeom>
+          <a:ln>
+            <a:solidFill>
+              <a:schemeClr val="tx1"/>
+            </a:solidFill>
+          </a:ln>
+        </p:spPr>
+      </p:pic>
+      <p:pic>
+        <p:nvPicPr>
+          <p:cNvPr id="4" name="図 3"/>
+          <p:cNvPicPr>
+            <a:picLocks noChangeAspect="1"/>
+          </p:cNvPicPr>
+          <p:nvPr/>
+        </p:nvPicPr>
+        <p:blipFill>
+          <a:blip r:embed="rId3">
+            <a:extLst>
+              <a:ext uri="{28A0092B-C50C-407E-A947-70E740481C1C}">
+                <a14:useLocalDpi xmlns:a14="http://schemas.microsoft.com/office/drawing/2010/main" val="0"/>
+              </a:ext>
+            </a:extLst>
+          </a:blip>
+          <a:stretch>
+            <a:fillRect/>
+          </a:stretch>
+        </p:blipFill>
+        <p:spPr>
+          <a:xfrm>
+            <a:off x="7076655" y="966842"/>
+            <a:ext cx="3219450" cy="5410200"/>
+          </a:xfrm>
+          <a:prstGeom prst="rect">
+            <a:avLst/>
+          </a:prstGeom>
+          <a:ln>
+            <a:solidFill>
+              <a:schemeClr val="tx1"/>
+            </a:solidFill>
+          </a:ln>
+        </p:spPr>
+      </p:pic>
+    </p:spTree>
+    <p:extLst>
+      <p:ext uri="{BB962C8B-B14F-4D97-AF65-F5344CB8AC3E}">
+        <p14:creationId xmlns:p14="http://schemas.microsoft.com/office/powerpoint/2010/main" val="1309263114"/>
       </p:ext>
     </p:extLst>
   </p:cSld>

--- a/documents_for_blog/blog.pptx
+++ b/documents_for_blog/blog.pptx
@@ -16,6 +16,7 @@
     <p:sldId id="264" r:id="rId10"/>
     <p:sldId id="265" r:id="rId11"/>
     <p:sldId id="266" r:id="rId12"/>
+    <p:sldId id="267" r:id="rId13"/>
   </p:sldIdLst>
   <p:sldSz cx="12192000" cy="6858000"/>
   <p:notesSz cx="6858000" cy="9144000"/>
@@ -251,7 +252,7 @@
           <a:p>
             <a:fld id="{76F80488-8C22-4ECD-ADCE-62BD7D3F29B3}" type="datetimeFigureOut">
               <a:rPr kumimoji="1" lang="ja-JP" altLang="en-US" smtClean="0"/>
-              <a:t>2016/6/10</a:t>
+              <a:t>2016/6/15</a:t>
             </a:fld>
             <a:endParaRPr kumimoji="1" lang="ja-JP" altLang="en-US"/>
           </a:p>
@@ -451,7 +452,7 @@
           <a:p>
             <a:fld id="{76F80488-8C22-4ECD-ADCE-62BD7D3F29B3}" type="datetimeFigureOut">
               <a:rPr kumimoji="1" lang="ja-JP" altLang="en-US" smtClean="0"/>
-              <a:t>2016/6/10</a:t>
+              <a:t>2016/6/15</a:t>
             </a:fld>
             <a:endParaRPr kumimoji="1" lang="ja-JP" altLang="en-US"/>
           </a:p>
@@ -661,7 +662,7 @@
           <a:p>
             <a:fld id="{76F80488-8C22-4ECD-ADCE-62BD7D3F29B3}" type="datetimeFigureOut">
               <a:rPr kumimoji="1" lang="ja-JP" altLang="en-US" smtClean="0"/>
-              <a:t>2016/6/10</a:t>
+              <a:t>2016/6/15</a:t>
             </a:fld>
             <a:endParaRPr kumimoji="1" lang="ja-JP" altLang="en-US"/>
           </a:p>
@@ -861,7 +862,7 @@
           <a:p>
             <a:fld id="{76F80488-8C22-4ECD-ADCE-62BD7D3F29B3}" type="datetimeFigureOut">
               <a:rPr kumimoji="1" lang="ja-JP" altLang="en-US" smtClean="0"/>
-              <a:t>2016/6/10</a:t>
+              <a:t>2016/6/15</a:t>
             </a:fld>
             <a:endParaRPr kumimoji="1" lang="ja-JP" altLang="en-US"/>
           </a:p>
@@ -1106,7 +1107,7 @@
           <a:p>
             <a:fld id="{76F80488-8C22-4ECD-ADCE-62BD7D3F29B3}" type="datetimeFigureOut">
               <a:rPr kumimoji="1" lang="ja-JP" altLang="en-US" smtClean="0"/>
-              <a:t>2016/6/10</a:t>
+              <a:t>2016/6/15</a:t>
             </a:fld>
             <a:endParaRPr kumimoji="1" lang="ja-JP" altLang="en-US"/>
           </a:p>
@@ -1399,7 +1400,7 @@
           <a:p>
             <a:fld id="{76F80488-8C22-4ECD-ADCE-62BD7D3F29B3}" type="datetimeFigureOut">
               <a:rPr kumimoji="1" lang="ja-JP" altLang="en-US" smtClean="0"/>
-              <a:t>2016/6/10</a:t>
+              <a:t>2016/6/15</a:t>
             </a:fld>
             <a:endParaRPr kumimoji="1" lang="ja-JP" altLang="en-US"/>
           </a:p>
@@ -1827,7 +1828,7 @@
           <a:p>
             <a:fld id="{76F80488-8C22-4ECD-ADCE-62BD7D3F29B3}" type="datetimeFigureOut">
               <a:rPr kumimoji="1" lang="ja-JP" altLang="en-US" smtClean="0"/>
-              <a:t>2016/6/10</a:t>
+              <a:t>2016/6/15</a:t>
             </a:fld>
             <a:endParaRPr kumimoji="1" lang="ja-JP" altLang="en-US"/>
           </a:p>
@@ -1944,7 +1945,7 @@
           <a:p>
             <a:fld id="{76F80488-8C22-4ECD-ADCE-62BD7D3F29B3}" type="datetimeFigureOut">
               <a:rPr kumimoji="1" lang="ja-JP" altLang="en-US" smtClean="0"/>
-              <a:t>2016/6/10</a:t>
+              <a:t>2016/6/15</a:t>
             </a:fld>
             <a:endParaRPr kumimoji="1" lang="ja-JP" altLang="en-US"/>
           </a:p>
@@ -2039,7 +2040,7 @@
           <a:p>
             <a:fld id="{76F80488-8C22-4ECD-ADCE-62BD7D3F29B3}" type="datetimeFigureOut">
               <a:rPr kumimoji="1" lang="ja-JP" altLang="en-US" smtClean="0"/>
-              <a:t>2016/6/10</a:t>
+              <a:t>2016/6/15</a:t>
             </a:fld>
             <a:endParaRPr kumimoji="1" lang="ja-JP" altLang="en-US"/>
           </a:p>
@@ -2346,7 +2347,7 @@
           <a:p>
             <a:fld id="{76F80488-8C22-4ECD-ADCE-62BD7D3F29B3}" type="datetimeFigureOut">
               <a:rPr kumimoji="1" lang="ja-JP" altLang="en-US" smtClean="0"/>
-              <a:t>2016/6/10</a:t>
+              <a:t>2016/6/15</a:t>
             </a:fld>
             <a:endParaRPr kumimoji="1" lang="ja-JP" altLang="en-US"/>
           </a:p>
@@ -2598,7 +2599,7 @@
           <a:p>
             <a:fld id="{76F80488-8C22-4ECD-ADCE-62BD7D3F29B3}" type="datetimeFigureOut">
               <a:rPr kumimoji="1" lang="ja-JP" altLang="en-US" smtClean="0"/>
-              <a:t>2016/6/10</a:t>
+              <a:t>2016/6/15</a:t>
             </a:fld>
             <a:endParaRPr kumimoji="1" lang="ja-JP" altLang="en-US"/>
           </a:p>
@@ -2841,7 +2842,7 @@
           <a:p>
             <a:fld id="{76F80488-8C22-4ECD-ADCE-62BD7D3F29B3}" type="datetimeFigureOut">
               <a:rPr kumimoji="1" lang="ja-JP" altLang="en-US" smtClean="0"/>
-              <a:t>2016/6/10</a:t>
+              <a:t>2016/6/15</a:t>
             </a:fld>
             <a:endParaRPr kumimoji="1" lang="ja-JP" altLang="en-US"/>
           </a:p>
@@ -6561,6 +6562,106 @@
     <p:extLst>
       <p:ext uri="{BB962C8B-B14F-4D97-AF65-F5344CB8AC3E}">
         <p14:creationId xmlns:p14="http://schemas.microsoft.com/office/powerpoint/2010/main" val="1309263114"/>
+      </p:ext>
+    </p:extLst>
+  </p:cSld>
+  <p:clrMapOvr>
+    <a:masterClrMapping/>
+  </p:clrMapOvr>
+</p:sld>
+</file>
+
+<file path=ppt/slides/slide12.xml><?xml version="1.0" encoding="utf-8"?>
+<p:sld xmlns:a="http://schemas.openxmlformats.org/drawingml/2006/main" xmlns:r="http://schemas.openxmlformats.org/officeDocument/2006/relationships" xmlns:p="http://schemas.openxmlformats.org/presentationml/2006/main">
+  <p:cSld>
+    <p:spTree>
+      <p:nvGrpSpPr>
+        <p:cNvPr id="1" name=""/>
+        <p:cNvGrpSpPr/>
+        <p:nvPr/>
+      </p:nvGrpSpPr>
+      <p:grpSpPr>
+        <a:xfrm>
+          <a:off x="0" y="0"/>
+          <a:ext cx="0" cy="0"/>
+          <a:chOff x="0" y="0"/>
+          <a:chExt cx="0" cy="0"/>
+        </a:xfrm>
+      </p:grpSpPr>
+      <p:pic>
+        <p:nvPicPr>
+          <p:cNvPr id="2" name="図 1"/>
+          <p:cNvPicPr>
+            <a:picLocks noChangeAspect="1"/>
+          </p:cNvPicPr>
+          <p:nvPr/>
+        </p:nvPicPr>
+        <p:blipFill>
+          <a:blip r:embed="rId2">
+            <a:extLst>
+              <a:ext uri="{28A0092B-C50C-407E-A947-70E740481C1C}">
+                <a14:useLocalDpi xmlns:a14="http://schemas.microsoft.com/office/drawing/2010/main" val="0"/>
+              </a:ext>
+            </a:extLst>
+          </a:blip>
+          <a:stretch>
+            <a:fillRect/>
+          </a:stretch>
+        </p:blipFill>
+        <p:spPr>
+          <a:xfrm>
+            <a:off x="1169638" y="677405"/>
+            <a:ext cx="3219450" cy="5410200"/>
+          </a:xfrm>
+          <a:prstGeom prst="rect">
+            <a:avLst/>
+          </a:prstGeom>
+          <a:ln>
+            <a:solidFill>
+              <a:schemeClr val="tx1"/>
+            </a:solidFill>
+          </a:ln>
+        </p:spPr>
+      </p:pic>
+      <p:pic>
+        <p:nvPicPr>
+          <p:cNvPr id="3" name="図 2"/>
+          <p:cNvPicPr>
+            <a:picLocks noChangeAspect="1"/>
+          </p:cNvPicPr>
+          <p:nvPr/>
+        </p:nvPicPr>
+        <p:blipFill>
+          <a:blip r:embed="rId3">
+            <a:extLst>
+              <a:ext uri="{28A0092B-C50C-407E-A947-70E740481C1C}">
+                <a14:useLocalDpi xmlns:a14="http://schemas.microsoft.com/office/drawing/2010/main" val="0"/>
+              </a:ext>
+            </a:extLst>
+          </a:blip>
+          <a:stretch>
+            <a:fillRect/>
+          </a:stretch>
+        </p:blipFill>
+        <p:spPr>
+          <a:xfrm>
+            <a:off x="5555055" y="677405"/>
+            <a:ext cx="3219450" cy="5410200"/>
+          </a:xfrm>
+          <a:prstGeom prst="rect">
+            <a:avLst/>
+          </a:prstGeom>
+          <a:ln>
+            <a:solidFill>
+              <a:schemeClr val="tx1"/>
+            </a:solidFill>
+          </a:ln>
+        </p:spPr>
+      </p:pic>
+    </p:spTree>
+    <p:extLst>
+      <p:ext uri="{BB962C8B-B14F-4D97-AF65-F5344CB8AC3E}">
+        <p14:creationId xmlns:p14="http://schemas.microsoft.com/office/powerpoint/2010/main" val="402172128"/>
       </p:ext>
     </p:extLst>
   </p:cSld>
